--- a/src/doc/OPAL Tools.pptx
+++ b/src/doc/OPAL Tools.pptx
@@ -5,42 +5,44 @@
     <p:sldMasterId id="2147483689" r:id="rId1"/>
   </p:sldMasterIdLst>
   <p:notesMasterIdLst>
-    <p:notesMasterId r:id="rId32"/>
+    <p:notesMasterId r:id="rId34"/>
   </p:notesMasterIdLst>
   <p:handoutMasterIdLst>
-    <p:handoutMasterId r:id="rId33"/>
+    <p:handoutMasterId r:id="rId35"/>
   </p:handoutMasterIdLst>
   <p:sldIdLst>
     <p:sldId id="256" r:id="rId2"/>
     <p:sldId id="629" r:id="rId3"/>
     <p:sldId id="469" r:id="rId4"/>
     <p:sldId id="630" r:id="rId5"/>
-    <p:sldId id="637" r:id="rId6"/>
-    <p:sldId id="631" r:id="rId7"/>
-    <p:sldId id="634" r:id="rId8"/>
-    <p:sldId id="635" r:id="rId9"/>
-    <p:sldId id="651" r:id="rId10"/>
-    <p:sldId id="636" r:id="rId11"/>
-    <p:sldId id="640" r:id="rId12"/>
-    <p:sldId id="641" r:id="rId13"/>
-    <p:sldId id="642" r:id="rId14"/>
-    <p:sldId id="643" r:id="rId15"/>
-    <p:sldId id="644" r:id="rId16"/>
-    <p:sldId id="645" r:id="rId17"/>
-    <p:sldId id="646" r:id="rId18"/>
-    <p:sldId id="647" r:id="rId19"/>
-    <p:sldId id="648" r:id="rId20"/>
-    <p:sldId id="654" r:id="rId21"/>
-    <p:sldId id="655" r:id="rId22"/>
-    <p:sldId id="653" r:id="rId23"/>
-    <p:sldId id="656" r:id="rId24"/>
-    <p:sldId id="657" r:id="rId25"/>
-    <p:sldId id="649" r:id="rId26"/>
-    <p:sldId id="652" r:id="rId27"/>
-    <p:sldId id="658" r:id="rId28"/>
-    <p:sldId id="633" r:id="rId29"/>
-    <p:sldId id="650" r:id="rId30"/>
-    <p:sldId id="590" r:id="rId31"/>
+    <p:sldId id="660" r:id="rId6"/>
+    <p:sldId id="637" r:id="rId7"/>
+    <p:sldId id="631" r:id="rId8"/>
+    <p:sldId id="634" r:id="rId9"/>
+    <p:sldId id="635" r:id="rId10"/>
+    <p:sldId id="651" r:id="rId11"/>
+    <p:sldId id="636" r:id="rId12"/>
+    <p:sldId id="640" r:id="rId13"/>
+    <p:sldId id="641" r:id="rId14"/>
+    <p:sldId id="642" r:id="rId15"/>
+    <p:sldId id="643" r:id="rId16"/>
+    <p:sldId id="644" r:id="rId17"/>
+    <p:sldId id="645" r:id="rId18"/>
+    <p:sldId id="646" r:id="rId19"/>
+    <p:sldId id="647" r:id="rId20"/>
+    <p:sldId id="659" r:id="rId21"/>
+    <p:sldId id="648" r:id="rId22"/>
+    <p:sldId id="654" r:id="rId23"/>
+    <p:sldId id="655" r:id="rId24"/>
+    <p:sldId id="653" r:id="rId25"/>
+    <p:sldId id="656" r:id="rId26"/>
+    <p:sldId id="657" r:id="rId27"/>
+    <p:sldId id="649" r:id="rId28"/>
+    <p:sldId id="652" r:id="rId29"/>
+    <p:sldId id="658" r:id="rId30"/>
+    <p:sldId id="633" r:id="rId31"/>
+    <p:sldId id="650" r:id="rId32"/>
+    <p:sldId id="590" r:id="rId33"/>
   </p:sldIdLst>
   <p:sldSz cx="24387175" cy="13716000"/>
   <p:notesSz cx="6858000" cy="9144000"/>
@@ -274,7 +276,7 @@
           <a:p>
             <a:fld id="{7912C047-BE12-EC46-B9BA-2707E4FC193E}" type="datetimeFigureOut">
               <a:rPr lang="en-US" smtClean="0"/>
-              <a:t>11/29/20</a:t>
+              <a:t>12/3/20</a:t>
             </a:fld>
             <a:endParaRPr lang="en-US"/>
           </a:p>
@@ -439,7 +441,7 @@
           <a:p>
             <a:fld id="{993E678E-1831-8F48-A62D-BC5A98DE3A4C}" type="datetimeFigureOut">
               <a:rPr lang="en-US" smtClean="0"/>
-              <a:t>11/29/20</a:t>
+              <a:t>12/3/20</a:t>
             </a:fld>
             <a:endParaRPr lang="en-US"/>
           </a:p>
@@ -985,7 +987,7 @@
           <a:p>
             <a:fld id="{0ED8A9B0-80EF-A34D-B345-E2DEC5501E01}" type="slidenum">
               <a:rPr lang="en-US" smtClean="0"/>
-              <a:t>6</a:t>
+              <a:t>7</a:t>
             </a:fld>
             <a:endParaRPr lang="en-US"/>
           </a:p>
@@ -1092,7 +1094,7 @@
           <a:p>
             <a:fld id="{0ED8A9B0-80EF-A34D-B345-E2DEC5501E01}" type="slidenum">
               <a:rPr lang="en-US" smtClean="0"/>
-              <a:t>25</a:t>
+              <a:t>27</a:t>
             </a:fld>
             <a:endParaRPr lang="en-US"/>
           </a:p>
@@ -1199,7 +1201,7 @@
           <a:p>
             <a:fld id="{0ED8A9B0-80EF-A34D-B345-E2DEC5501E01}" type="slidenum">
               <a:rPr lang="en-US" smtClean="0"/>
-              <a:t>26</a:t>
+              <a:t>28</a:t>
             </a:fld>
             <a:endParaRPr lang="en-US"/>
           </a:p>
@@ -1306,7 +1308,7 @@
           <a:p>
             <a:fld id="{0ED8A9B0-80EF-A34D-B345-E2DEC5501E01}" type="slidenum">
               <a:rPr lang="en-US" smtClean="0"/>
-              <a:t>28</a:t>
+              <a:t>30</a:t>
             </a:fld>
             <a:endParaRPr lang="en-US"/>
           </a:p>
@@ -1504,7 +1506,7 @@
           <a:p>
             <a:fld id="{21599422-E8BB-434D-B83B-853B35C0D38C}" type="datetimeFigureOut">
               <a:rPr lang="en-US" smtClean="0"/>
-              <a:t>11/29/20</a:t>
+              <a:t>12/3/20</a:t>
             </a:fld>
             <a:endParaRPr lang="en-US"/>
           </a:p>
@@ -1672,7 +1674,7 @@
           <a:p>
             <a:fld id="{21599422-E8BB-434D-B83B-853B35C0D38C}" type="datetimeFigureOut">
               <a:rPr lang="en-US" smtClean="0"/>
-              <a:t>11/29/20</a:t>
+              <a:t>12/3/20</a:t>
             </a:fld>
             <a:endParaRPr lang="en-US"/>
           </a:p>
@@ -1850,7 +1852,7 @@
           <a:p>
             <a:fld id="{21599422-E8BB-434D-B83B-853B35C0D38C}" type="datetimeFigureOut">
               <a:rPr lang="en-US" smtClean="0"/>
-              <a:t>11/29/20</a:t>
+              <a:t>12/3/20</a:t>
             </a:fld>
             <a:endParaRPr lang="en-US"/>
           </a:p>
@@ -3288,7 +3290,7 @@
           <a:p>
             <a:fld id="{21599422-E8BB-434D-B83B-853B35C0D38C}" type="datetimeFigureOut">
               <a:rPr lang="en-US" smtClean="0"/>
-              <a:t>11/29/20</a:t>
+              <a:t>12/3/20</a:t>
             </a:fld>
             <a:endParaRPr lang="en-US"/>
           </a:p>
@@ -3608,7 +3610,7 @@
           <a:p>
             <a:fld id="{21599422-E8BB-434D-B83B-853B35C0D38C}" type="datetimeFigureOut">
               <a:rPr lang="en-US" smtClean="0"/>
-              <a:t>11/29/20</a:t>
+              <a:t>12/3/20</a:t>
             </a:fld>
             <a:endParaRPr lang="en-US"/>
           </a:p>
@@ -3893,7 +3895,7 @@
           <a:p>
             <a:fld id="{21599422-E8BB-434D-B83B-853B35C0D38C}" type="datetimeFigureOut">
               <a:rPr lang="en-US" smtClean="0"/>
-              <a:t>11/29/20</a:t>
+              <a:t>12/3/20</a:t>
             </a:fld>
             <a:endParaRPr lang="en-US"/>
           </a:p>
@@ -4312,7 +4314,7 @@
           <a:p>
             <a:fld id="{21599422-E8BB-434D-B83B-853B35C0D38C}" type="datetimeFigureOut">
               <a:rPr lang="en-US" smtClean="0"/>
-              <a:t>11/29/20</a:t>
+              <a:t>12/3/20</a:t>
             </a:fld>
             <a:endParaRPr lang="en-US"/>
           </a:p>
@@ -4429,7 +4431,7 @@
           <a:p>
             <a:fld id="{21599422-E8BB-434D-B83B-853B35C0D38C}" type="datetimeFigureOut">
               <a:rPr lang="en-US" smtClean="0"/>
-              <a:t>11/29/20</a:t>
+              <a:t>12/3/20</a:t>
             </a:fld>
             <a:endParaRPr lang="en-US"/>
           </a:p>
@@ -4524,7 +4526,7 @@
           <a:p>
             <a:fld id="{21599422-E8BB-434D-B83B-853B35C0D38C}" type="datetimeFigureOut">
               <a:rPr lang="en-US" smtClean="0"/>
-              <a:t>11/29/20</a:t>
+              <a:t>12/3/20</a:t>
             </a:fld>
             <a:endParaRPr lang="en-US"/>
           </a:p>
@@ -4799,7 +4801,7 @@
           <a:p>
             <a:fld id="{21599422-E8BB-434D-B83B-853B35C0D38C}" type="datetimeFigureOut">
               <a:rPr lang="en-US" smtClean="0"/>
-              <a:t>11/29/20</a:t>
+              <a:t>12/3/20</a:t>
             </a:fld>
             <a:endParaRPr lang="en-US"/>
           </a:p>
@@ -5051,7 +5053,7 @@
           <a:p>
             <a:fld id="{21599422-E8BB-434D-B83B-853B35C0D38C}" type="datetimeFigureOut">
               <a:rPr lang="en-US" smtClean="0"/>
-              <a:t>11/29/20</a:t>
+              <a:t>12/3/20</a:t>
             </a:fld>
             <a:endParaRPr lang="en-US"/>
           </a:p>
@@ -5262,7 +5264,7 @@
           <a:p>
             <a:fld id="{21599422-E8BB-434D-B83B-853B35C0D38C}" type="datetimeFigureOut">
               <a:rPr lang="en-US" smtClean="0"/>
-              <a:t>11/29/20</a:t>
+              <a:t>12/3/20</a:t>
             </a:fld>
             <a:endParaRPr lang="en-US"/>
           </a:p>
@@ -6063,7 +6065,7 @@
           </a:prstGeom>
           <a:extLst>
             <a:ext uri="{FAA26D3D-D897-4be2-8F04-BA451C77F1D7}">
-              <ma14:placeholderFlag xmlns="" xmlns:ma14="http://schemas.microsoft.com/office/mac/drawingml/2011/main"/>
+              <ma14:placeholderFlag xmlns:ma14="http://schemas.microsoft.com/office/mac/drawingml/2011/main" xmlns=""/>
             </a:ext>
           </a:extLst>
         </p:spPr>
@@ -6154,6 +6156,448 @@
 </file>
 
 <file path=ppt/slides/slide10.xml><?xml version="1.0" encoding="utf-8"?>
+<p:sld xmlns:a="http://schemas.openxmlformats.org/drawingml/2006/main" xmlns:r="http://schemas.openxmlformats.org/officeDocument/2006/relationships" xmlns:p="http://schemas.openxmlformats.org/presentationml/2006/main">
+  <p:cSld>
+    <p:spTree>
+      <p:nvGrpSpPr>
+        <p:cNvPr id="1" name=""/>
+        <p:cNvGrpSpPr/>
+        <p:nvPr/>
+      </p:nvGrpSpPr>
+      <p:grpSpPr>
+        <a:xfrm>
+          <a:off x="0" y="0"/>
+          <a:ext cx="0" cy="0"/>
+          <a:chOff x="0" y="0"/>
+          <a:chExt cx="0" cy="0"/>
+        </a:xfrm>
+      </p:grpSpPr>
+      <p:sp>
+        <p:nvSpPr>
+          <p:cNvPr id="2" name="Titel 1">
+            <a:extLst>
+              <a:ext uri="{FF2B5EF4-FFF2-40B4-BE49-F238E27FC236}">
+                <a16:creationId xmlns:a16="http://schemas.microsoft.com/office/drawing/2014/main" id="{574A5A47-A541-3E45-B751-829AFEFFBCB3}"/>
+              </a:ext>
+            </a:extLst>
+          </p:cNvPr>
+          <p:cNvSpPr>
+            <a:spLocks noGrp="1"/>
+          </p:cNvSpPr>
+          <p:nvPr>
+            <p:ph type="title"/>
+          </p:nvPr>
+        </p:nvSpPr>
+        <p:spPr/>
+        <p:txBody>
+          <a:bodyPr>
+            <a:normAutofit/>
+          </a:bodyPr>
+          <a:lstStyle/>
+          <a:p>
+            <a:r>
+              <a:rPr lang="de-DE" dirty="0"/>
+              <a:t>The Solution</a:t>
+            </a:r>
+          </a:p>
+        </p:txBody>
+      </p:sp>
+      <p:sp>
+        <p:nvSpPr>
+          <p:cNvPr id="3" name="Inhaltsplatzhalter 2">
+            <a:extLst>
+              <a:ext uri="{FF2B5EF4-FFF2-40B4-BE49-F238E27FC236}">
+                <a16:creationId xmlns:a16="http://schemas.microsoft.com/office/drawing/2014/main" id="{F9D2D66F-04F0-0640-BA49-C0428BDC8D3C}"/>
+              </a:ext>
+            </a:extLst>
+          </p:cNvPr>
+          <p:cNvSpPr>
+            <a:spLocks noGrp="1"/>
+          </p:cNvSpPr>
+          <p:nvPr>
+            <p:ph idx="1"/>
+          </p:nvPr>
+        </p:nvSpPr>
+        <p:spPr/>
+        <p:txBody>
+          <a:bodyPr>
+            <a:normAutofit lnSpcReduction="10000"/>
+          </a:bodyPr>
+          <a:lstStyle/>
+          <a:p>
+            <a:r>
+              <a:rPr lang="de-DE" dirty="0"/>
+              <a:t>Tools </a:t>
+            </a:r>
+            <a:r>
+              <a:rPr lang="de-DE" dirty="0" err="1"/>
+              <a:t>can</a:t>
+            </a:r>
+            <a:r>
+              <a:rPr lang="de-DE" dirty="0"/>
+              <a:t> </a:t>
+            </a:r>
+            <a:r>
+              <a:rPr lang="de-DE" dirty="0" err="1"/>
+              <a:t>be</a:t>
+            </a:r>
+            <a:r>
+              <a:rPr lang="de-DE" dirty="0"/>
+              <a:t> </a:t>
+            </a:r>
+            <a:r>
+              <a:rPr lang="de-DE" dirty="0" err="1"/>
+              <a:t>used</a:t>
+            </a:r>
+            <a:r>
+              <a:rPr lang="de-DE" dirty="0"/>
+              <a:t> </a:t>
+            </a:r>
+            <a:r>
+              <a:rPr lang="de-DE" dirty="0" err="1"/>
+              <a:t>together</a:t>
+            </a:r>
+            <a:r>
+              <a:rPr lang="de-DE" dirty="0"/>
+              <a:t> … </a:t>
+            </a:r>
+            <a:r>
+              <a:rPr lang="de-DE" dirty="0" err="1"/>
+              <a:t>or</a:t>
+            </a:r>
+            <a:r>
+              <a:rPr lang="de-DE" dirty="0"/>
+              <a:t> </a:t>
+            </a:r>
+            <a:r>
+              <a:rPr lang="de-DE" dirty="0" err="1"/>
+              <a:t>separately</a:t>
+            </a:r>
+            <a:endParaRPr lang="de-DE" dirty="0"/>
+          </a:p>
+          <a:p>
+            <a:r>
+              <a:rPr lang="de-DE" dirty="0" err="1"/>
+              <a:t>Exporter</a:t>
+            </a:r>
+            <a:r>
+              <a:rPr lang="de-DE" dirty="0"/>
+              <a:t> – </a:t>
+            </a:r>
+            <a:r>
+              <a:rPr lang="de-DE" dirty="0" err="1"/>
+              <a:t>Use</a:t>
+            </a:r>
+            <a:r>
+              <a:rPr lang="de-DE" dirty="0"/>
+              <a:t> Cases:</a:t>
+            </a:r>
+          </a:p>
+          <a:p>
+            <a:pPr lvl="1"/>
+            <a:r>
+              <a:rPr lang="de-DE" dirty="0"/>
+              <a:t>Initial </a:t>
+            </a:r>
+            <a:r>
+              <a:rPr lang="de-DE" dirty="0" err="1"/>
+              <a:t>seed</a:t>
+            </a:r>
+            <a:r>
+              <a:rPr lang="de-DE" dirty="0"/>
+              <a:t> </a:t>
+            </a:r>
+            <a:r>
+              <a:rPr lang="de-DE" dirty="0" err="1"/>
+              <a:t>of</a:t>
+            </a:r>
+            <a:r>
+              <a:rPr lang="de-DE" dirty="0"/>
+              <a:t> </a:t>
+            </a:r>
+            <a:r>
+              <a:rPr lang="de-DE" dirty="0" err="1"/>
+              <a:t>database</a:t>
+            </a:r>
+            <a:r>
+              <a:rPr lang="de-DE" dirty="0"/>
+              <a:t> </a:t>
+            </a:r>
+            <a:r>
+              <a:rPr lang="de-DE" dirty="0" err="1"/>
+              <a:t>objects</a:t>
+            </a:r>
+            <a:r>
+              <a:rPr lang="de-DE" dirty="0"/>
+              <a:t> </a:t>
+            </a:r>
+            <a:r>
+              <a:rPr lang="de-DE" dirty="0" err="1"/>
+              <a:t>into</a:t>
+            </a:r>
+            <a:r>
+              <a:rPr lang="de-DE" dirty="0"/>
+              <a:t> </a:t>
+            </a:r>
+            <a:r>
+              <a:rPr lang="de-DE" dirty="0" err="1"/>
+              <a:t>the</a:t>
+            </a:r>
+            <a:r>
+              <a:rPr lang="de-DE" dirty="0"/>
+              <a:t> </a:t>
+            </a:r>
+            <a:r>
+              <a:rPr lang="de-DE" dirty="0" err="1"/>
+              <a:t>file</a:t>
+            </a:r>
+            <a:r>
+              <a:rPr lang="de-DE" dirty="0"/>
+              <a:t> </a:t>
+            </a:r>
+            <a:r>
+              <a:rPr lang="de-DE" dirty="0" err="1"/>
+              <a:t>system</a:t>
+            </a:r>
+            <a:endParaRPr lang="de-DE" dirty="0"/>
+          </a:p>
+          <a:p>
+            <a:pPr lvl="1"/>
+            <a:r>
+              <a:rPr lang="de-DE" dirty="0" err="1"/>
+              <a:t>Continuous</a:t>
+            </a:r>
+            <a:r>
+              <a:rPr lang="de-DE" dirty="0"/>
+              <a:t> </a:t>
+            </a:r>
+            <a:r>
+              <a:rPr lang="de-DE" dirty="0" err="1"/>
+              <a:t>export</a:t>
+            </a:r>
+            <a:r>
+              <a:rPr lang="de-DE" dirty="0"/>
+              <a:t> </a:t>
+            </a:r>
+            <a:r>
+              <a:rPr lang="de-DE" dirty="0" err="1"/>
+              <a:t>of</a:t>
+            </a:r>
+            <a:r>
+              <a:rPr lang="de-DE" dirty="0"/>
+              <a:t> </a:t>
+            </a:r>
+            <a:r>
+              <a:rPr lang="de-DE" dirty="0" err="1"/>
+              <a:t>database</a:t>
+            </a:r>
+            <a:r>
+              <a:rPr lang="de-DE" dirty="0"/>
+              <a:t> </a:t>
+            </a:r>
+            <a:r>
+              <a:rPr lang="de-DE" dirty="0" err="1"/>
+              <a:t>objects</a:t>
+            </a:r>
+            <a:endParaRPr lang="de-DE" dirty="0"/>
+          </a:p>
+          <a:p>
+            <a:r>
+              <a:rPr lang="de-DE" dirty="0"/>
+              <a:t>Goal? </a:t>
+            </a:r>
+            <a:r>
+              <a:rPr lang="de-DE" dirty="0" err="1"/>
+              <a:t>Seamless</a:t>
+            </a:r>
+            <a:r>
+              <a:rPr lang="de-DE" dirty="0"/>
+              <a:t> </a:t>
+            </a:r>
+            <a:r>
+              <a:rPr lang="de-DE" dirty="0" err="1"/>
+              <a:t>integration</a:t>
+            </a:r>
+            <a:endParaRPr lang="de-DE" dirty="0"/>
+          </a:p>
+          <a:p>
+            <a:pPr lvl="1"/>
+            <a:r>
+              <a:rPr lang="de-DE" dirty="0" err="1"/>
+              <a:t>Don‘t</a:t>
+            </a:r>
+            <a:r>
+              <a:rPr lang="de-DE" dirty="0"/>
+              <a:t> </a:t>
+            </a:r>
+            <a:r>
+              <a:rPr lang="de-DE" dirty="0" err="1"/>
+              <a:t>force</a:t>
+            </a:r>
+            <a:r>
+              <a:rPr lang="de-DE" dirty="0"/>
+              <a:t> a </a:t>
+            </a:r>
+            <a:r>
+              <a:rPr lang="de-DE" dirty="0" err="1"/>
+              <a:t>specific</a:t>
+            </a:r>
+            <a:r>
+              <a:rPr lang="de-DE" dirty="0"/>
+              <a:t> </a:t>
+            </a:r>
+            <a:r>
+              <a:rPr lang="de-DE" dirty="0" err="1"/>
+              <a:t>approach</a:t>
+            </a:r>
+            <a:r>
+              <a:rPr lang="de-DE" dirty="0"/>
+              <a:t>, </a:t>
+            </a:r>
+            <a:r>
+              <a:rPr lang="de-DE" dirty="0" err="1"/>
+              <a:t>rather</a:t>
+            </a:r>
+            <a:r>
+              <a:rPr lang="de-DE" dirty="0"/>
+              <a:t> </a:t>
+            </a:r>
+            <a:r>
+              <a:rPr lang="de-DE" dirty="0" err="1"/>
+              <a:t>support</a:t>
+            </a:r>
+            <a:r>
+              <a:rPr lang="de-DE" dirty="0"/>
+              <a:t> </a:t>
+            </a:r>
+            <a:r>
+              <a:rPr lang="de-DE" dirty="0" err="1"/>
+              <a:t>existing</a:t>
+            </a:r>
+            <a:r>
+              <a:rPr lang="de-DE" dirty="0"/>
+              <a:t> </a:t>
+            </a:r>
+            <a:r>
+              <a:rPr lang="de-DE" dirty="0" err="1"/>
+              <a:t>styles</a:t>
+            </a:r>
+            <a:r>
+              <a:rPr lang="de-DE" dirty="0"/>
+              <a:t> </a:t>
+            </a:r>
+            <a:r>
+              <a:rPr lang="de-DE" dirty="0" err="1"/>
+              <a:t>and</a:t>
+            </a:r>
+            <a:r>
+              <a:rPr lang="de-DE" dirty="0"/>
+              <a:t> </a:t>
+            </a:r>
+            <a:r>
+              <a:rPr lang="de-DE" dirty="0" err="1"/>
+              <a:t>improve</a:t>
+            </a:r>
+            <a:r>
+              <a:rPr lang="de-DE" dirty="0"/>
+              <a:t> </a:t>
+            </a:r>
+            <a:r>
+              <a:rPr lang="de-DE" dirty="0" err="1"/>
+              <a:t>the</a:t>
+            </a:r>
+            <a:r>
+              <a:rPr lang="de-DE" dirty="0"/>
+              <a:t> </a:t>
+            </a:r>
+            <a:r>
+              <a:rPr lang="de-DE" dirty="0" err="1"/>
+              <a:t>quality</a:t>
+            </a:r>
+            <a:endParaRPr lang="de-DE" dirty="0"/>
+          </a:p>
+          <a:p>
+            <a:r>
+              <a:rPr lang="de-DE" dirty="0" err="1"/>
+              <a:t>No</a:t>
+            </a:r>
+            <a:r>
+              <a:rPr lang="de-DE" dirty="0"/>
+              <a:t> </a:t>
+            </a:r>
+            <a:r>
+              <a:rPr lang="de-DE" dirty="0" err="1"/>
+              <a:t>point</a:t>
+            </a:r>
+            <a:r>
+              <a:rPr lang="de-DE" dirty="0"/>
+              <a:t> in </a:t>
+            </a:r>
+            <a:r>
+              <a:rPr lang="de-DE" dirty="0" err="1"/>
+              <a:t>having</a:t>
+            </a:r>
+            <a:r>
+              <a:rPr lang="de-DE" dirty="0"/>
+              <a:t> a PERFECT </a:t>
+            </a:r>
+            <a:r>
+              <a:rPr lang="de-DE" dirty="0" err="1"/>
+              <a:t>approach</a:t>
+            </a:r>
+            <a:r>
+              <a:rPr lang="de-DE" dirty="0"/>
+              <a:t> </a:t>
+            </a:r>
+            <a:r>
+              <a:rPr lang="de-DE" dirty="0" err="1"/>
+              <a:t>that</a:t>
+            </a:r>
+            <a:r>
+              <a:rPr lang="de-DE" dirty="0"/>
+              <a:t> </a:t>
+            </a:r>
+            <a:r>
+              <a:rPr lang="de-DE" dirty="0" err="1"/>
+              <a:t>isn‘t</a:t>
+            </a:r>
+            <a:r>
+              <a:rPr lang="de-DE" dirty="0"/>
+              <a:t> </a:t>
+            </a:r>
+            <a:r>
+              <a:rPr lang="de-DE" dirty="0" err="1"/>
+              <a:t>widely</a:t>
+            </a:r>
+            <a:r>
+              <a:rPr lang="de-DE" dirty="0"/>
+              <a:t> </a:t>
+            </a:r>
+            <a:r>
+              <a:rPr lang="de-DE" dirty="0" err="1"/>
+              <a:t>used</a:t>
+            </a:r>
+            <a:r>
+              <a:rPr lang="de-DE" dirty="0"/>
+              <a:t>. </a:t>
+            </a:r>
+          </a:p>
+        </p:txBody>
+      </p:sp>
+    </p:spTree>
+    <p:extLst>
+      <p:ext uri="{BB962C8B-B14F-4D97-AF65-F5344CB8AC3E}">
+        <p14:creationId xmlns:p14="http://schemas.microsoft.com/office/powerpoint/2010/main" val="3331039411"/>
+      </p:ext>
+    </p:extLst>
+  </p:cSld>
+  <p:clrMapOvr>
+    <a:masterClrMapping/>
+  </p:clrMapOvr>
+</p:sld>
+</file>
+
+<file path=ppt/slides/slide11.xml><?xml version="1.0" encoding="utf-8"?>
 <p:sld xmlns:a="http://schemas.openxmlformats.org/drawingml/2006/main" xmlns:r="http://schemas.openxmlformats.org/officeDocument/2006/relationships" xmlns:p="http://schemas.openxmlformats.org/presentationml/2006/main">
   <p:cSld>
     <p:spTree>
@@ -6642,7 +7086,7 @@
 </p:sld>
 </file>
 
-<file path=ppt/slides/slide11.xml><?xml version="1.0" encoding="utf-8"?>
+<file path=ppt/slides/slide12.xml><?xml version="1.0" encoding="utf-8"?>
 <p:sld xmlns:a="http://schemas.openxmlformats.org/drawingml/2006/main" xmlns:r="http://schemas.openxmlformats.org/officeDocument/2006/relationships" xmlns:p="http://schemas.openxmlformats.org/presentationml/2006/main">
   <p:cSld>
     <p:spTree>
@@ -7861,7 +8305,7 @@
 </p:sld>
 </file>
 
-<file path=ppt/slides/slide12.xml><?xml version="1.0" encoding="utf-8"?>
+<file path=ppt/slides/slide13.xml><?xml version="1.0" encoding="utf-8"?>
 <p:sld xmlns:a="http://schemas.openxmlformats.org/drawingml/2006/main" xmlns:r="http://schemas.openxmlformats.org/officeDocument/2006/relationships" xmlns:p="http://schemas.openxmlformats.org/presentationml/2006/main">
   <p:cSld>
     <p:spTree>
@@ -8368,7 +8812,7 @@
 </p:sld>
 </file>
 
-<file path=ppt/slides/slide13.xml><?xml version="1.0" encoding="utf-8"?>
+<file path=ppt/slides/slide14.xml><?xml version="1.0" encoding="utf-8"?>
 <p:sld xmlns:a="http://schemas.openxmlformats.org/drawingml/2006/main" xmlns:r="http://schemas.openxmlformats.org/officeDocument/2006/relationships" xmlns:p="http://schemas.openxmlformats.org/presentationml/2006/main">
   <p:cSld>
     <p:spTree>
@@ -9742,7 +10186,7 @@
 </p:sld>
 </file>
 
-<file path=ppt/slides/slide14.xml><?xml version="1.0" encoding="utf-8"?>
+<file path=ppt/slides/slide15.xml><?xml version="1.0" encoding="utf-8"?>
 <p:sld xmlns:a="http://schemas.openxmlformats.org/drawingml/2006/main" xmlns:r="http://schemas.openxmlformats.org/officeDocument/2006/relationships" xmlns:p="http://schemas.openxmlformats.org/presentationml/2006/main">
   <p:cSld>
     <p:spTree>
@@ -10374,112 +10818,6 @@
           <a:xfrm>
             <a:off x="2024971" y="11145127"/>
             <a:ext cx="13340921" cy="923099"/>
-          </a:xfrm>
-          <a:prstGeom prst="roundRect">
-            <a:avLst/>
-          </a:prstGeom>
-          <a:solidFill>
-            <a:schemeClr val="accent1">
-              <a:alpha val="10000"/>
-            </a:schemeClr>
-          </a:solidFill>
-          <a:ln w="76200" cap="flat" cmpd="sng" algn="ctr">
-            <a:solidFill>
-              <a:schemeClr val="accent1"/>
-            </a:solidFill>
-            <a:prstDash val="solid"/>
-            <a:round/>
-            <a:headEnd type="none" w="med" len="med"/>
-            <a:tailEnd type="none" w="med" len="med"/>
-          </a:ln>
-          <a:effectLst/>
-        </p:spPr>
-        <p:txBody>
-          <a:bodyPr wrap="none" lIns="0" tIns="0" rIns="0" bIns="0" anchor="ctr"/>
-          <a:lstStyle/>
-          <a:p>
-            <a:pPr>
-              <a:buFont typeface="Wingdings" pitchFamily="2" charset="2"/>
-              <a:buNone/>
-              <a:defRPr/>
-            </a:pPr>
-            <a:endParaRPr lang="de-DE">
-              <a:latin typeface="Arial Unicode MS" pitchFamily="34" charset="-128"/>
-              <a:ea typeface="+mn-ea"/>
-              <a:cs typeface="+mn-cs"/>
-            </a:endParaRPr>
-          </a:p>
-        </p:txBody>
-      </p:sp>
-      <p:sp>
-        <p:nvSpPr>
-          <p:cNvPr id="16" name="Abgerundetes Rechteck 15">
-            <a:extLst>
-              <a:ext uri="{FF2B5EF4-FFF2-40B4-BE49-F238E27FC236}">
-                <a16:creationId xmlns:a16="http://schemas.microsoft.com/office/drawing/2014/main" id="{7924492E-BF9F-804A-A8DC-FCD9D6EEE377}"/>
-              </a:ext>
-            </a:extLst>
-          </p:cNvPr>
-          <p:cNvSpPr/>
-          <p:nvPr/>
-        </p:nvSpPr>
-        <p:spPr bwMode="auto">
-          <a:xfrm>
-            <a:off x="2024971" y="11863039"/>
-            <a:ext cx="13340921" cy="1303685"/>
-          </a:xfrm>
-          <a:prstGeom prst="roundRect">
-            <a:avLst/>
-          </a:prstGeom>
-          <a:solidFill>
-            <a:schemeClr val="accent1">
-              <a:alpha val="10000"/>
-            </a:schemeClr>
-          </a:solidFill>
-          <a:ln w="76200" cap="flat" cmpd="sng" algn="ctr">
-            <a:solidFill>
-              <a:schemeClr val="accent1"/>
-            </a:solidFill>
-            <a:prstDash val="solid"/>
-            <a:round/>
-            <a:headEnd type="none" w="med" len="med"/>
-            <a:tailEnd type="none" w="med" len="med"/>
-          </a:ln>
-          <a:effectLst/>
-        </p:spPr>
-        <p:txBody>
-          <a:bodyPr wrap="none" lIns="0" tIns="0" rIns="0" bIns="0" anchor="ctr"/>
-          <a:lstStyle/>
-          <a:p>
-            <a:pPr>
-              <a:buFont typeface="Wingdings" pitchFamily="2" charset="2"/>
-              <a:buNone/>
-              <a:defRPr/>
-            </a:pPr>
-            <a:endParaRPr lang="de-DE">
-              <a:latin typeface="Arial Unicode MS" pitchFamily="34" charset="-128"/>
-              <a:ea typeface="+mn-ea"/>
-              <a:cs typeface="+mn-cs"/>
-            </a:endParaRPr>
-          </a:p>
-        </p:txBody>
-      </p:sp>
-      <p:sp>
-        <p:nvSpPr>
-          <p:cNvPr id="17" name="Abgerundetes Rechteck 16">
-            <a:extLst>
-              <a:ext uri="{FF2B5EF4-FFF2-40B4-BE49-F238E27FC236}">
-                <a16:creationId xmlns:a16="http://schemas.microsoft.com/office/drawing/2014/main" id="{1FAAB5F1-5D9E-8C40-985C-4606D81BBACB}"/>
-              </a:ext>
-            </a:extLst>
-          </p:cNvPr>
-          <p:cNvSpPr/>
-          <p:nvPr/>
-        </p:nvSpPr>
-        <p:spPr bwMode="auto">
-          <a:xfrm>
-            <a:off x="2024971" y="13059659"/>
-            <a:ext cx="13340921" cy="475856"/>
           </a:xfrm>
           <a:prstGeom prst="roundRect">
             <a:avLst/>
@@ -11068,128 +11406,6 @@
                       </p:childTnLst>
                     </p:cTn>
                   </p:par>
-                  <p:par>
-                    <p:cTn id="39" fill="hold">
-                      <p:stCondLst>
-                        <p:cond delay="indefinite"/>
-                      </p:stCondLst>
-                      <p:childTnLst>
-                        <p:par>
-                          <p:cTn id="40" fill="hold">
-                            <p:stCondLst>
-                              <p:cond delay="0"/>
-                            </p:stCondLst>
-                            <p:childTnLst>
-                              <p:par>
-                                <p:cTn id="41" presetID="1" presetClass="entr" presetSubtype="0" fill="hold" grpId="0" nodeType="clickEffect">
-                                  <p:stCondLst>
-                                    <p:cond delay="0"/>
-                                  </p:stCondLst>
-                                  <p:childTnLst>
-                                    <p:set>
-                                      <p:cBhvr>
-                                        <p:cTn id="42" dur="1" fill="hold">
-                                          <p:stCondLst>
-                                            <p:cond delay="0"/>
-                                          </p:stCondLst>
-                                        </p:cTn>
-                                        <p:tgtEl>
-                                          <p:spTgt spid="16"/>
-                                        </p:tgtEl>
-                                        <p:attrNameLst>
-                                          <p:attrName>style.visibility</p:attrName>
-                                        </p:attrNameLst>
-                                      </p:cBhvr>
-                                      <p:to>
-                                        <p:strVal val="visible"/>
-                                      </p:to>
-                                    </p:set>
-                                  </p:childTnLst>
-                                  <p:subTnLst>
-                                    <p:set>
-                                      <p:cBhvr override="childStyle">
-                                        <p:cTn dur="1" fill="hold" display="0" masterRel="nextClick" afterEffect="1"/>
-                                        <p:tgtEl>
-                                          <p:spTgt spid="16"/>
-                                        </p:tgtEl>
-                                        <p:attrNameLst>
-                                          <p:attrName>style.visibility</p:attrName>
-                                        </p:attrNameLst>
-                                      </p:cBhvr>
-                                      <p:to>
-                                        <p:strVal val="hidden"/>
-                                      </p:to>
-                                    </p:set>
-                                  </p:subTnLst>
-                                </p:cTn>
-                              </p:par>
-                            </p:childTnLst>
-                          </p:cTn>
-                        </p:par>
-                      </p:childTnLst>
-                    </p:cTn>
-                  </p:par>
-                  <p:par>
-                    <p:cTn id="43" fill="hold">
-                      <p:stCondLst>
-                        <p:cond delay="indefinite"/>
-                      </p:stCondLst>
-                      <p:childTnLst>
-                        <p:par>
-                          <p:cTn id="44" fill="hold">
-                            <p:stCondLst>
-                              <p:cond delay="0"/>
-                            </p:stCondLst>
-                            <p:childTnLst>
-                              <p:par>
-                                <p:cTn id="45" presetID="1" presetClass="entr" presetSubtype="0" fill="hold" grpId="0" nodeType="clickEffect">
-                                  <p:stCondLst>
-                                    <p:cond delay="0"/>
-                                  </p:stCondLst>
-                                  <p:childTnLst>
-                                    <p:set>
-                                      <p:cBhvr>
-                                        <p:cTn id="46" dur="1" fill="hold">
-                                          <p:stCondLst>
-                                            <p:cond delay="0"/>
-                                          </p:stCondLst>
-                                        </p:cTn>
-                                        <p:tgtEl>
-                                          <p:spTgt spid="17"/>
-                                        </p:tgtEl>
-                                        <p:attrNameLst>
-                                          <p:attrName>style.visibility</p:attrName>
-                                        </p:attrNameLst>
-                                      </p:cBhvr>
-                                      <p:to>
-                                        <p:strVal val="visible"/>
-                                      </p:to>
-                                    </p:set>
-                                  </p:childTnLst>
-                                  <p:subTnLst>
-                                    <p:set>
-                                      <p:cBhvr override="childStyle">
-                                        <p:cTn dur="1" fill="hold" display="0" masterRel="nextClick" afterEffect="1"/>
-                                        <p:tgtEl>
-                                          <p:spTgt spid="17"/>
-                                        </p:tgtEl>
-                                        <p:attrNameLst>
-                                          <p:attrName>style.visibility</p:attrName>
-                                        </p:attrNameLst>
-                                      </p:cBhvr>
-                                      <p:to>
-                                        <p:strVal val="hidden"/>
-                                      </p:to>
-                                    </p:set>
-                                  </p:subTnLst>
-                                </p:cTn>
-                              </p:par>
-                            </p:childTnLst>
-                          </p:cTn>
-                        </p:par>
-                      </p:childTnLst>
-                    </p:cTn>
-                  </p:par>
                 </p:childTnLst>
               </p:cTn>
               <p:prevCondLst>
@@ -11220,14 +11436,12 @@
       <p:bldP spid="13" grpId="0" animBg="1"/>
       <p:bldP spid="14" grpId="0" animBg="1"/>
       <p:bldP spid="15" grpId="0" animBg="1"/>
-      <p:bldP spid="16" grpId="0" animBg="1"/>
-      <p:bldP spid="17" grpId="0" animBg="1"/>
     </p:bldLst>
   </p:timing>
 </p:sld>
 </file>
 
-<file path=ppt/slides/slide15.xml><?xml version="1.0" encoding="utf-8"?>
+<file path=ppt/slides/slide16.xml><?xml version="1.0" encoding="utf-8"?>
 <p:sld xmlns:a="http://schemas.openxmlformats.org/drawingml/2006/main" xmlns:r="http://schemas.openxmlformats.org/officeDocument/2006/relationships" xmlns:p="http://schemas.openxmlformats.org/presentationml/2006/main">
   <p:cSld>
     <p:spTree>
@@ -11590,7 +11804,7 @@
 </p:sld>
 </file>
 
-<file path=ppt/slides/slide16.xml><?xml version="1.0" encoding="utf-8"?>
+<file path=ppt/slides/slide17.xml><?xml version="1.0" encoding="utf-8"?>
 <p:sld xmlns:a="http://schemas.openxmlformats.org/drawingml/2006/main" xmlns:r="http://schemas.openxmlformats.org/officeDocument/2006/relationships" xmlns:p="http://schemas.openxmlformats.org/presentationml/2006/main">
   <p:cSld>
     <p:spTree>
@@ -12217,7 +12431,7 @@
 </p:sld>
 </file>
 
-<file path=ppt/slides/slide17.xml><?xml version="1.0" encoding="utf-8"?>
+<file path=ppt/slides/slide18.xml><?xml version="1.0" encoding="utf-8"?>
 <p:sld xmlns:a="http://schemas.openxmlformats.org/drawingml/2006/main" xmlns:r="http://schemas.openxmlformats.org/officeDocument/2006/relationships" xmlns:p="http://schemas.openxmlformats.org/presentationml/2006/main">
   <p:cSld>
     <p:spTree>
@@ -12551,8 +12765,8 @@
         </p:nvSpPr>
         <p:spPr bwMode="auto">
           <a:xfrm>
-            <a:off x="1488260" y="9393009"/>
-            <a:ext cx="8351479" cy="1162348"/>
+            <a:off x="1605275" y="8946720"/>
+            <a:ext cx="10116982" cy="520700"/>
           </a:xfrm>
           <a:prstGeom prst="roundRect">
             <a:avLst/>
@@ -12665,7 +12879,7 @@
         </p:blipFill>
         <p:spPr>
           <a:xfrm>
-            <a:off x="6703767" y="7175339"/>
+            <a:off x="6559388" y="7401093"/>
             <a:ext cx="9537700" cy="520700"/>
           </a:xfrm>
           <a:prstGeom prst="rect">
@@ -12700,7 +12914,7 @@
         </p:blipFill>
         <p:spPr>
           <a:xfrm>
-            <a:off x="7956707" y="7886537"/>
+            <a:off x="7812328" y="8112291"/>
             <a:ext cx="7531100" cy="533400"/>
           </a:xfrm>
           <a:prstGeom prst="rect">
@@ -12735,7 +12949,7 @@
         </p:blipFill>
         <p:spPr>
           <a:xfrm>
-            <a:off x="7956707" y="11624458"/>
+            <a:off x="7450727" y="6597650"/>
             <a:ext cx="7899400" cy="520700"/>
           </a:xfrm>
           <a:prstGeom prst="rect">
@@ -12748,6 +12962,165 @@
           </a:ln>
         </p:spPr>
       </p:pic>
+      <p:sp>
+        <p:nvSpPr>
+          <p:cNvPr id="13" name="Abgerundetes Rechteck 12">
+            <a:extLst>
+              <a:ext uri="{FF2B5EF4-FFF2-40B4-BE49-F238E27FC236}">
+                <a16:creationId xmlns:a16="http://schemas.microsoft.com/office/drawing/2014/main" id="{7070ED9C-C8E6-EE4E-B53A-910371BE08EB}"/>
+              </a:ext>
+            </a:extLst>
+          </p:cNvPr>
+          <p:cNvSpPr/>
+          <p:nvPr/>
+        </p:nvSpPr>
+        <p:spPr bwMode="auto">
+          <a:xfrm>
+            <a:off x="1605275" y="9566359"/>
+            <a:ext cx="10116982" cy="925987"/>
+          </a:xfrm>
+          <a:prstGeom prst="roundRect">
+            <a:avLst/>
+          </a:prstGeom>
+          <a:solidFill>
+            <a:schemeClr val="accent1">
+              <a:alpha val="10000"/>
+            </a:schemeClr>
+          </a:solidFill>
+          <a:ln w="76200" cap="flat" cmpd="sng" algn="ctr">
+            <a:solidFill>
+              <a:schemeClr val="accent1"/>
+            </a:solidFill>
+            <a:prstDash val="solid"/>
+            <a:round/>
+            <a:headEnd type="none" w="med" len="med"/>
+            <a:tailEnd type="none" w="med" len="med"/>
+          </a:ln>
+          <a:effectLst/>
+        </p:spPr>
+        <p:txBody>
+          <a:bodyPr wrap="none" lIns="0" tIns="0" rIns="0" bIns="0" anchor="ctr"/>
+          <a:lstStyle/>
+          <a:p>
+            <a:pPr>
+              <a:buFont typeface="Wingdings" pitchFamily="2" charset="2"/>
+              <a:buNone/>
+              <a:defRPr/>
+            </a:pPr>
+            <a:endParaRPr lang="de-DE">
+              <a:latin typeface="Arial Unicode MS" pitchFamily="34" charset="-128"/>
+              <a:ea typeface="+mn-ea"/>
+              <a:cs typeface="+mn-cs"/>
+            </a:endParaRPr>
+          </a:p>
+        </p:txBody>
+      </p:sp>
+      <p:sp>
+        <p:nvSpPr>
+          <p:cNvPr id="14" name="Abgerundetes Rechteck 13">
+            <a:extLst>
+              <a:ext uri="{FF2B5EF4-FFF2-40B4-BE49-F238E27FC236}">
+                <a16:creationId xmlns:a16="http://schemas.microsoft.com/office/drawing/2014/main" id="{BD2D0DCF-1024-704D-95BF-25123C501369}"/>
+              </a:ext>
+            </a:extLst>
+          </p:cNvPr>
+          <p:cNvSpPr/>
+          <p:nvPr/>
+        </p:nvSpPr>
+        <p:spPr bwMode="auto">
+          <a:xfrm>
+            <a:off x="1605275" y="10511444"/>
+            <a:ext cx="10116982" cy="629798"/>
+          </a:xfrm>
+          <a:prstGeom prst="roundRect">
+            <a:avLst/>
+          </a:prstGeom>
+          <a:solidFill>
+            <a:schemeClr val="accent1">
+              <a:alpha val="10000"/>
+            </a:schemeClr>
+          </a:solidFill>
+          <a:ln w="76200" cap="flat" cmpd="sng" algn="ctr">
+            <a:solidFill>
+              <a:schemeClr val="accent1"/>
+            </a:solidFill>
+            <a:prstDash val="solid"/>
+            <a:round/>
+            <a:headEnd type="none" w="med" len="med"/>
+            <a:tailEnd type="none" w="med" len="med"/>
+          </a:ln>
+          <a:effectLst/>
+        </p:spPr>
+        <p:txBody>
+          <a:bodyPr wrap="none" lIns="0" tIns="0" rIns="0" bIns="0" anchor="ctr"/>
+          <a:lstStyle/>
+          <a:p>
+            <a:pPr>
+              <a:buFont typeface="Wingdings" pitchFamily="2" charset="2"/>
+              <a:buNone/>
+              <a:defRPr/>
+            </a:pPr>
+            <a:endParaRPr lang="de-DE">
+              <a:latin typeface="Arial Unicode MS" pitchFamily="34" charset="-128"/>
+              <a:ea typeface="+mn-ea"/>
+              <a:cs typeface="+mn-cs"/>
+            </a:endParaRPr>
+          </a:p>
+        </p:txBody>
+      </p:sp>
+      <p:sp>
+        <p:nvSpPr>
+          <p:cNvPr id="15" name="Abgerundetes Rechteck 14">
+            <a:extLst>
+              <a:ext uri="{FF2B5EF4-FFF2-40B4-BE49-F238E27FC236}">
+                <a16:creationId xmlns:a16="http://schemas.microsoft.com/office/drawing/2014/main" id="{AE2E9968-2F55-674F-A221-670732DEDD6D}"/>
+              </a:ext>
+            </a:extLst>
+          </p:cNvPr>
+          <p:cNvSpPr/>
+          <p:nvPr/>
+        </p:nvSpPr>
+        <p:spPr bwMode="auto">
+          <a:xfrm>
+            <a:off x="1605275" y="11024075"/>
+            <a:ext cx="10116982" cy="629798"/>
+          </a:xfrm>
+          <a:prstGeom prst="roundRect">
+            <a:avLst/>
+          </a:prstGeom>
+          <a:solidFill>
+            <a:schemeClr val="accent1">
+              <a:alpha val="10000"/>
+            </a:schemeClr>
+          </a:solidFill>
+          <a:ln w="76200" cap="flat" cmpd="sng" algn="ctr">
+            <a:solidFill>
+              <a:schemeClr val="accent1"/>
+            </a:solidFill>
+            <a:prstDash val="solid"/>
+            <a:round/>
+            <a:headEnd type="none" w="med" len="med"/>
+            <a:tailEnd type="none" w="med" len="med"/>
+          </a:ln>
+          <a:effectLst/>
+        </p:spPr>
+        <p:txBody>
+          <a:bodyPr wrap="none" lIns="0" tIns="0" rIns="0" bIns="0" anchor="ctr"/>
+          <a:lstStyle/>
+          <a:p>
+            <a:pPr>
+              <a:buFont typeface="Wingdings" pitchFamily="2" charset="2"/>
+              <a:buNone/>
+              <a:defRPr/>
+            </a:pPr>
+            <a:endParaRPr lang="de-DE">
+              <a:latin typeface="Arial Unicode MS" pitchFamily="34" charset="-128"/>
+              <a:ea typeface="+mn-ea"/>
+              <a:cs typeface="+mn-cs"/>
+            </a:endParaRPr>
+          </a:p>
+        </p:txBody>
+      </p:sp>
     </p:spTree>
     <p:extLst>
       <p:ext uri="{BB962C8B-B14F-4D97-AF65-F5344CB8AC3E}">
@@ -12853,7 +13226,7 @@
                                           </p:stCondLst>
                                         </p:cTn>
                                         <p:tgtEl>
-                                          <p:spTgt spid="5"/>
+                                          <p:spTgt spid="12"/>
                                         </p:tgtEl>
                                         <p:attrNameLst>
                                           <p:attrName>style.visibility</p:attrName>
@@ -12898,7 +13271,7 @@
                                           </p:stCondLst>
                                         </p:cTn>
                                         <p:tgtEl>
-                                          <p:spTgt spid="6"/>
+                                          <p:spTgt spid="5"/>
                                         </p:tgtEl>
                                         <p:attrNameLst>
                                           <p:attrName>style.visibility</p:attrName>
@@ -12943,7 +13316,7 @@
                                           </p:stCondLst>
                                         </p:cTn>
                                         <p:tgtEl>
-                                          <p:spTgt spid="4"/>
+                                          <p:spTgt spid="6"/>
                                         </p:tgtEl>
                                         <p:attrNameLst>
                                           <p:attrName>style.visibility</p:attrName>
@@ -12975,7 +13348,7 @@
                             </p:stCondLst>
                             <p:childTnLst>
                               <p:par>
-                                <p:cTn id="21" presetID="1" presetClass="entr" presetSubtype="0" fill="hold" grpId="0" nodeType="clickEffect">
+                                <p:cTn id="21" presetID="1" presetClass="entr" presetSubtype="0" fill="hold" nodeType="clickEffect">
                                   <p:stCondLst>
                                     <p:cond delay="0"/>
                                   </p:stCondLst>
@@ -12988,7 +13361,7 @@
                                           </p:stCondLst>
                                         </p:cTn>
                                         <p:tgtEl>
-                                          <p:spTgt spid="9"/>
+                                          <p:spTgt spid="4"/>
                                         </p:tgtEl>
                                         <p:attrNameLst>
                                           <p:attrName>style.visibility</p:attrName>
@@ -12999,22 +13372,6 @@
                                       </p:to>
                                     </p:set>
                                   </p:childTnLst>
-                                  <p:subTnLst>
-                                    <p:set>
-                                      <p:cBhvr override="childStyle">
-                                        <p:cTn dur="1" fill="hold" display="0" masterRel="nextClick" afterEffect="1"/>
-                                        <p:tgtEl>
-                                          <p:spTgt spid="9"/>
-                                        </p:tgtEl>
-                                        <p:attrNameLst>
-                                          <p:attrName>style.visibility</p:attrName>
-                                        </p:attrNameLst>
-                                      </p:cBhvr>
-                                      <p:to>
-                                        <p:strVal val="hidden"/>
-                                      </p:to>
-                                    </p:set>
-                                  </p:subTnLst>
                                 </p:cTn>
                               </p:par>
                             </p:childTnLst>
@@ -13049,7 +13406,7 @@
                                           </p:stCondLst>
                                         </p:cTn>
                                         <p:tgtEl>
-                                          <p:spTgt spid="10"/>
+                                          <p:spTgt spid="9"/>
                                         </p:tgtEl>
                                         <p:attrNameLst>
                                           <p:attrName>style.visibility</p:attrName>
@@ -13065,7 +13422,7 @@
                                       <p:cBhvr override="childStyle">
                                         <p:cTn dur="1" fill="hold" display="0" masterRel="nextClick" afterEffect="1"/>
                                         <p:tgtEl>
-                                          <p:spTgt spid="10"/>
+                                          <p:spTgt spid="9"/>
                                         </p:tgtEl>
                                         <p:attrNameLst>
                                           <p:attrName>style.visibility</p:attrName>
@@ -13110,6 +13467,250 @@
                                           </p:stCondLst>
                                         </p:cTn>
                                         <p:tgtEl>
+                                          <p:spTgt spid="10"/>
+                                        </p:tgtEl>
+                                        <p:attrNameLst>
+                                          <p:attrName>style.visibility</p:attrName>
+                                        </p:attrNameLst>
+                                      </p:cBhvr>
+                                      <p:to>
+                                        <p:strVal val="visible"/>
+                                      </p:to>
+                                    </p:set>
+                                  </p:childTnLst>
+                                  <p:subTnLst>
+                                    <p:set>
+                                      <p:cBhvr override="childStyle">
+                                        <p:cTn dur="1" fill="hold" display="0" masterRel="nextClick" afterEffect="1"/>
+                                        <p:tgtEl>
+                                          <p:spTgt spid="10"/>
+                                        </p:tgtEl>
+                                        <p:attrNameLst>
+                                          <p:attrName>style.visibility</p:attrName>
+                                        </p:attrNameLst>
+                                      </p:cBhvr>
+                                      <p:to>
+                                        <p:strVal val="hidden"/>
+                                      </p:to>
+                                    </p:set>
+                                  </p:subTnLst>
+                                </p:cTn>
+                              </p:par>
+                            </p:childTnLst>
+                          </p:cTn>
+                        </p:par>
+                      </p:childTnLst>
+                    </p:cTn>
+                  </p:par>
+                  <p:par>
+                    <p:cTn id="31" fill="hold">
+                      <p:stCondLst>
+                        <p:cond delay="indefinite"/>
+                      </p:stCondLst>
+                      <p:childTnLst>
+                        <p:par>
+                          <p:cTn id="32" fill="hold">
+                            <p:stCondLst>
+                              <p:cond delay="0"/>
+                            </p:stCondLst>
+                            <p:childTnLst>
+                              <p:par>
+                                <p:cTn id="33" presetID="1" presetClass="entr" presetSubtype="0" fill="hold" grpId="0" nodeType="clickEffect">
+                                  <p:stCondLst>
+                                    <p:cond delay="0"/>
+                                  </p:stCondLst>
+                                  <p:childTnLst>
+                                    <p:set>
+                                      <p:cBhvr>
+                                        <p:cTn id="34" dur="1" fill="hold">
+                                          <p:stCondLst>
+                                            <p:cond delay="0"/>
+                                          </p:stCondLst>
+                                        </p:cTn>
+                                        <p:tgtEl>
+                                          <p:spTgt spid="13"/>
+                                        </p:tgtEl>
+                                        <p:attrNameLst>
+                                          <p:attrName>style.visibility</p:attrName>
+                                        </p:attrNameLst>
+                                      </p:cBhvr>
+                                      <p:to>
+                                        <p:strVal val="visible"/>
+                                      </p:to>
+                                    </p:set>
+                                  </p:childTnLst>
+                                  <p:subTnLst>
+                                    <p:set>
+                                      <p:cBhvr override="childStyle">
+                                        <p:cTn dur="1" fill="hold" display="0" masterRel="nextClick" afterEffect="1"/>
+                                        <p:tgtEl>
+                                          <p:spTgt spid="13"/>
+                                        </p:tgtEl>
+                                        <p:attrNameLst>
+                                          <p:attrName>style.visibility</p:attrName>
+                                        </p:attrNameLst>
+                                      </p:cBhvr>
+                                      <p:to>
+                                        <p:strVal val="hidden"/>
+                                      </p:to>
+                                    </p:set>
+                                  </p:subTnLst>
+                                </p:cTn>
+                              </p:par>
+                            </p:childTnLst>
+                          </p:cTn>
+                        </p:par>
+                      </p:childTnLst>
+                    </p:cTn>
+                  </p:par>
+                  <p:par>
+                    <p:cTn id="35" fill="hold">
+                      <p:stCondLst>
+                        <p:cond delay="indefinite"/>
+                      </p:stCondLst>
+                      <p:childTnLst>
+                        <p:par>
+                          <p:cTn id="36" fill="hold">
+                            <p:stCondLst>
+                              <p:cond delay="0"/>
+                            </p:stCondLst>
+                            <p:childTnLst>
+                              <p:par>
+                                <p:cTn id="37" presetID="1" presetClass="entr" presetSubtype="0" fill="hold" grpId="0" nodeType="clickEffect">
+                                  <p:stCondLst>
+                                    <p:cond delay="0"/>
+                                  </p:stCondLst>
+                                  <p:childTnLst>
+                                    <p:set>
+                                      <p:cBhvr>
+                                        <p:cTn id="38" dur="1" fill="hold">
+                                          <p:stCondLst>
+                                            <p:cond delay="0"/>
+                                          </p:stCondLst>
+                                        </p:cTn>
+                                        <p:tgtEl>
+                                          <p:spTgt spid="14"/>
+                                        </p:tgtEl>
+                                        <p:attrNameLst>
+                                          <p:attrName>style.visibility</p:attrName>
+                                        </p:attrNameLst>
+                                      </p:cBhvr>
+                                      <p:to>
+                                        <p:strVal val="visible"/>
+                                      </p:to>
+                                    </p:set>
+                                  </p:childTnLst>
+                                  <p:subTnLst>
+                                    <p:set>
+                                      <p:cBhvr override="childStyle">
+                                        <p:cTn dur="1" fill="hold" display="0" masterRel="nextClick" afterEffect="1"/>
+                                        <p:tgtEl>
+                                          <p:spTgt spid="14"/>
+                                        </p:tgtEl>
+                                        <p:attrNameLst>
+                                          <p:attrName>style.visibility</p:attrName>
+                                        </p:attrNameLst>
+                                      </p:cBhvr>
+                                      <p:to>
+                                        <p:strVal val="hidden"/>
+                                      </p:to>
+                                    </p:set>
+                                  </p:subTnLst>
+                                </p:cTn>
+                              </p:par>
+                            </p:childTnLst>
+                          </p:cTn>
+                        </p:par>
+                      </p:childTnLst>
+                    </p:cTn>
+                  </p:par>
+                  <p:par>
+                    <p:cTn id="39" fill="hold">
+                      <p:stCondLst>
+                        <p:cond delay="indefinite"/>
+                      </p:stCondLst>
+                      <p:childTnLst>
+                        <p:par>
+                          <p:cTn id="40" fill="hold">
+                            <p:stCondLst>
+                              <p:cond delay="0"/>
+                            </p:stCondLst>
+                            <p:childTnLst>
+                              <p:par>
+                                <p:cTn id="41" presetID="1" presetClass="entr" presetSubtype="0" fill="hold" grpId="0" nodeType="clickEffect">
+                                  <p:stCondLst>
+                                    <p:cond delay="0"/>
+                                  </p:stCondLst>
+                                  <p:childTnLst>
+                                    <p:set>
+                                      <p:cBhvr>
+                                        <p:cTn id="42" dur="1" fill="hold">
+                                          <p:stCondLst>
+                                            <p:cond delay="0"/>
+                                          </p:stCondLst>
+                                        </p:cTn>
+                                        <p:tgtEl>
+                                          <p:spTgt spid="15"/>
+                                        </p:tgtEl>
+                                        <p:attrNameLst>
+                                          <p:attrName>style.visibility</p:attrName>
+                                        </p:attrNameLst>
+                                      </p:cBhvr>
+                                      <p:to>
+                                        <p:strVal val="visible"/>
+                                      </p:to>
+                                    </p:set>
+                                  </p:childTnLst>
+                                  <p:subTnLst>
+                                    <p:set>
+                                      <p:cBhvr override="childStyle">
+                                        <p:cTn dur="1" fill="hold" display="0" masterRel="nextClick" afterEffect="1"/>
+                                        <p:tgtEl>
+                                          <p:spTgt spid="15"/>
+                                        </p:tgtEl>
+                                        <p:attrNameLst>
+                                          <p:attrName>style.visibility</p:attrName>
+                                        </p:attrNameLst>
+                                      </p:cBhvr>
+                                      <p:to>
+                                        <p:strVal val="hidden"/>
+                                      </p:to>
+                                    </p:set>
+                                  </p:subTnLst>
+                                </p:cTn>
+                              </p:par>
+                            </p:childTnLst>
+                          </p:cTn>
+                        </p:par>
+                      </p:childTnLst>
+                    </p:cTn>
+                  </p:par>
+                  <p:par>
+                    <p:cTn id="43" fill="hold">
+                      <p:stCondLst>
+                        <p:cond delay="indefinite"/>
+                      </p:stCondLst>
+                      <p:childTnLst>
+                        <p:par>
+                          <p:cTn id="44" fill="hold">
+                            <p:stCondLst>
+                              <p:cond delay="0"/>
+                            </p:stCondLst>
+                            <p:childTnLst>
+                              <p:par>
+                                <p:cTn id="45" presetID="1" presetClass="entr" presetSubtype="0" fill="hold" grpId="0" nodeType="clickEffect">
+                                  <p:stCondLst>
+                                    <p:cond delay="0"/>
+                                  </p:stCondLst>
+                                  <p:childTnLst>
+                                    <p:set>
+                                      <p:cBhvr>
+                                        <p:cTn id="46" dur="1" fill="hold">
+                                          <p:stCondLst>
+                                            <p:cond delay="0"/>
+                                          </p:stCondLst>
+                                        </p:cTn>
+                                        <p:tgtEl>
                                           <p:spTgt spid="11"/>
                                         </p:tgtEl>
                                         <p:attrNameLst>
@@ -13145,51 +13746,6 @@
                       </p:childTnLst>
                     </p:cTn>
                   </p:par>
-                  <p:par>
-                    <p:cTn id="31" fill="hold">
-                      <p:stCondLst>
-                        <p:cond delay="indefinite"/>
-                      </p:stCondLst>
-                      <p:childTnLst>
-                        <p:par>
-                          <p:cTn id="32" fill="hold">
-                            <p:stCondLst>
-                              <p:cond delay="0"/>
-                            </p:stCondLst>
-                            <p:childTnLst>
-                              <p:par>
-                                <p:cTn id="33" presetID="1" presetClass="entr" presetSubtype="0" fill="hold" nodeType="clickEffect">
-                                  <p:stCondLst>
-                                    <p:cond delay="0"/>
-                                  </p:stCondLst>
-                                  <p:childTnLst>
-                                    <p:set>
-                                      <p:cBhvr>
-                                        <p:cTn id="34" dur="1" fill="hold">
-                                          <p:stCondLst>
-                                            <p:cond delay="0"/>
-                                          </p:stCondLst>
-                                        </p:cTn>
-                                        <p:tgtEl>
-                                          <p:spTgt spid="12"/>
-                                        </p:tgtEl>
-                                        <p:attrNameLst>
-                                          <p:attrName>style.visibility</p:attrName>
-                                        </p:attrNameLst>
-                                      </p:cBhvr>
-                                      <p:to>
-                                        <p:strVal val="visible"/>
-                                      </p:to>
-                                    </p:set>
-                                  </p:childTnLst>
-                                </p:cTn>
-                              </p:par>
-                            </p:childTnLst>
-                          </p:cTn>
-                        </p:par>
-                      </p:childTnLst>
-                    </p:cTn>
-                  </p:par>
                 </p:childTnLst>
               </p:cTn>
               <p:prevCondLst>
@@ -13216,12 +13772,15 @@
       <p:bldP spid="9" grpId="0" animBg="1"/>
       <p:bldP spid="10" grpId="0" animBg="1"/>
       <p:bldP spid="11" grpId="0" animBg="1"/>
+      <p:bldP spid="13" grpId="0" animBg="1"/>
+      <p:bldP spid="14" grpId="0" animBg="1"/>
+      <p:bldP spid="15" grpId="0" animBg="1"/>
     </p:bldLst>
   </p:timing>
 </p:sld>
 </file>
 
-<file path=ppt/slides/slide18.xml><?xml version="1.0" encoding="utf-8"?>
+<file path=ppt/slides/slide19.xml><?xml version="1.0" encoding="utf-8"?>
 <p:sld xmlns:a="http://schemas.openxmlformats.org/drawingml/2006/main" xmlns:r="http://schemas.openxmlformats.org/officeDocument/2006/relationships" xmlns:p="http://schemas.openxmlformats.org/presentationml/2006/main">
   <p:cSld>
     <p:spTree>
@@ -13240,10 +13799,10 @@
       </p:grpSpPr>
       <p:pic>
         <p:nvPicPr>
-          <p:cNvPr id="5" name="Grafik 4">
+          <p:cNvPr id="7" name="Grafik 6">
             <a:extLst>
               <a:ext uri="{FF2B5EF4-FFF2-40B4-BE49-F238E27FC236}">
-                <a16:creationId xmlns:a16="http://schemas.microsoft.com/office/drawing/2014/main" id="{FC4B5F1A-D19D-A441-BC13-DD256A7C9476}"/>
+                <a16:creationId xmlns:a16="http://schemas.microsoft.com/office/drawing/2014/main" id="{EAD2B074-57A5-3A4F-9889-C8BF59224C07}"/>
               </a:ext>
             </a:extLst>
           </p:cNvPr>
@@ -13260,8 +13819,8 @@
         </p:blipFill>
         <p:spPr>
           <a:xfrm>
-            <a:off x="17868002" y="2322534"/>
-            <a:ext cx="5451833" cy="5390230"/>
+            <a:off x="18273221" y="549274"/>
+            <a:ext cx="5302205" cy="7076821"/>
           </a:xfrm>
           <a:prstGeom prst="rect">
             <a:avLst/>
@@ -13411,8 +13970,8 @@
         </p:nvSpPr>
         <p:spPr bwMode="auto">
           <a:xfrm>
-            <a:off x="18431164" y="2903200"/>
-            <a:ext cx="4888671" cy="2364539"/>
+            <a:off x="19408232" y="6304548"/>
+            <a:ext cx="3831774" cy="529390"/>
           </a:xfrm>
           <a:prstGeom prst="roundRect">
             <a:avLst/>
@@ -13507,14 +14066,173 @@
         </p:blipFill>
         <p:spPr>
           <a:xfrm>
-            <a:off x="1968534" y="8028213"/>
-            <a:ext cx="20450106" cy="5234253"/>
+            <a:off x="1438344" y="8016183"/>
+            <a:ext cx="20123049" cy="5150542"/>
           </a:xfrm>
           <a:prstGeom prst="rect">
             <a:avLst/>
           </a:prstGeom>
         </p:spPr>
       </p:pic>
+      <p:sp>
+        <p:nvSpPr>
+          <p:cNvPr id="9" name="Abgerundetes Rechteck 8">
+            <a:extLst>
+              <a:ext uri="{FF2B5EF4-FFF2-40B4-BE49-F238E27FC236}">
+                <a16:creationId xmlns:a16="http://schemas.microsoft.com/office/drawing/2014/main" id="{E59282F5-6219-E241-BBC9-881308DE872F}"/>
+              </a:ext>
+            </a:extLst>
+          </p:cNvPr>
+          <p:cNvSpPr/>
+          <p:nvPr/>
+        </p:nvSpPr>
+        <p:spPr bwMode="auto">
+          <a:xfrm>
+            <a:off x="19408232" y="2632929"/>
+            <a:ext cx="2441115" cy="904356"/>
+          </a:xfrm>
+          <a:prstGeom prst="roundRect">
+            <a:avLst/>
+          </a:prstGeom>
+          <a:solidFill>
+            <a:schemeClr val="accent1">
+              <a:alpha val="10000"/>
+            </a:schemeClr>
+          </a:solidFill>
+          <a:ln w="76200" cap="flat" cmpd="sng" algn="ctr">
+            <a:solidFill>
+              <a:schemeClr val="accent1"/>
+            </a:solidFill>
+            <a:prstDash val="solid"/>
+            <a:round/>
+            <a:headEnd type="none" w="med" len="med"/>
+            <a:tailEnd type="none" w="med" len="med"/>
+          </a:ln>
+          <a:effectLst/>
+        </p:spPr>
+        <p:txBody>
+          <a:bodyPr wrap="none" lIns="0" tIns="0" rIns="0" bIns="0" anchor="ctr"/>
+          <a:lstStyle/>
+          <a:p>
+            <a:pPr>
+              <a:buFont typeface="Wingdings" pitchFamily="2" charset="2"/>
+              <a:buNone/>
+              <a:defRPr/>
+            </a:pPr>
+            <a:endParaRPr lang="de-DE">
+              <a:latin typeface="Arial Unicode MS" pitchFamily="34" charset="-128"/>
+              <a:ea typeface="+mn-ea"/>
+              <a:cs typeface="+mn-cs"/>
+            </a:endParaRPr>
+          </a:p>
+        </p:txBody>
+      </p:sp>
+      <p:sp>
+        <p:nvSpPr>
+          <p:cNvPr id="10" name="Abgerundetes Rechteck 9">
+            <a:extLst>
+              <a:ext uri="{FF2B5EF4-FFF2-40B4-BE49-F238E27FC236}">
+                <a16:creationId xmlns:a16="http://schemas.microsoft.com/office/drawing/2014/main" id="{52B62F87-E184-DB49-9AFD-7F187FC55059}"/>
+              </a:ext>
+            </a:extLst>
+          </p:cNvPr>
+          <p:cNvSpPr/>
+          <p:nvPr/>
+        </p:nvSpPr>
+        <p:spPr bwMode="auto">
+          <a:xfrm>
+            <a:off x="5291180" y="5017647"/>
+            <a:ext cx="10301746" cy="565005"/>
+          </a:xfrm>
+          <a:prstGeom prst="roundRect">
+            <a:avLst/>
+          </a:prstGeom>
+          <a:solidFill>
+            <a:schemeClr val="accent1">
+              <a:alpha val="10000"/>
+            </a:schemeClr>
+          </a:solidFill>
+          <a:ln w="76200" cap="flat" cmpd="sng" algn="ctr">
+            <a:solidFill>
+              <a:schemeClr val="accent1"/>
+            </a:solidFill>
+            <a:prstDash val="solid"/>
+            <a:round/>
+            <a:headEnd type="none" w="med" len="med"/>
+            <a:tailEnd type="none" w="med" len="med"/>
+          </a:ln>
+          <a:effectLst/>
+        </p:spPr>
+        <p:txBody>
+          <a:bodyPr wrap="none" lIns="0" tIns="0" rIns="0" bIns="0" anchor="ctr"/>
+          <a:lstStyle/>
+          <a:p>
+            <a:pPr>
+              <a:buFont typeface="Wingdings" pitchFamily="2" charset="2"/>
+              <a:buNone/>
+              <a:defRPr/>
+            </a:pPr>
+            <a:endParaRPr lang="de-DE">
+              <a:latin typeface="Arial Unicode MS" pitchFamily="34" charset="-128"/>
+              <a:ea typeface="+mn-ea"/>
+              <a:cs typeface="+mn-cs"/>
+            </a:endParaRPr>
+          </a:p>
+        </p:txBody>
+      </p:sp>
+      <p:sp>
+        <p:nvSpPr>
+          <p:cNvPr id="11" name="Abgerundetes Rechteck 10">
+            <a:extLst>
+              <a:ext uri="{FF2B5EF4-FFF2-40B4-BE49-F238E27FC236}">
+                <a16:creationId xmlns:a16="http://schemas.microsoft.com/office/drawing/2014/main" id="{58DD8A00-5611-224F-A376-BE6A8F4286B8}"/>
+              </a:ext>
+            </a:extLst>
+          </p:cNvPr>
+          <p:cNvSpPr/>
+          <p:nvPr/>
+        </p:nvSpPr>
+        <p:spPr bwMode="auto">
+          <a:xfrm>
+            <a:off x="5291180" y="5624352"/>
+            <a:ext cx="10301746" cy="872701"/>
+          </a:xfrm>
+          <a:prstGeom prst="roundRect">
+            <a:avLst/>
+          </a:prstGeom>
+          <a:solidFill>
+            <a:schemeClr val="accent1">
+              <a:alpha val="10000"/>
+            </a:schemeClr>
+          </a:solidFill>
+          <a:ln w="76200" cap="flat" cmpd="sng" algn="ctr">
+            <a:solidFill>
+              <a:schemeClr val="accent1"/>
+            </a:solidFill>
+            <a:prstDash val="solid"/>
+            <a:round/>
+            <a:headEnd type="none" w="med" len="med"/>
+            <a:tailEnd type="none" w="med" len="med"/>
+          </a:ln>
+          <a:effectLst/>
+        </p:spPr>
+        <p:txBody>
+          <a:bodyPr wrap="none" lIns="0" tIns="0" rIns="0" bIns="0" anchor="ctr"/>
+          <a:lstStyle/>
+          <a:p>
+            <a:pPr>
+              <a:buFont typeface="Wingdings" pitchFamily="2" charset="2"/>
+              <a:buNone/>
+              <a:defRPr/>
+            </a:pPr>
+            <a:endParaRPr lang="de-DE">
+              <a:latin typeface="Arial Unicode MS" pitchFamily="34" charset="-128"/>
+              <a:ea typeface="+mn-ea"/>
+              <a:cs typeface="+mn-cs"/>
+            </a:endParaRPr>
+          </a:p>
+        </p:txBody>
+      </p:sp>
     </p:spTree>
     <p:extLst>
       <p:ext uri="{BB962C8B-B14F-4D97-AF65-F5344CB8AC3E}">
@@ -13559,6 +14277,67 @@
                                           </p:stCondLst>
                                         </p:cTn>
                                         <p:tgtEl>
+                                          <p:spTgt spid="10"/>
+                                        </p:tgtEl>
+                                        <p:attrNameLst>
+                                          <p:attrName>style.visibility</p:attrName>
+                                        </p:attrNameLst>
+                                      </p:cBhvr>
+                                      <p:to>
+                                        <p:strVal val="visible"/>
+                                      </p:to>
+                                    </p:set>
+                                  </p:childTnLst>
+                                  <p:subTnLst>
+                                    <p:set>
+                                      <p:cBhvr override="childStyle">
+                                        <p:cTn dur="1" fill="hold" display="0" masterRel="nextClick" afterEffect="1"/>
+                                        <p:tgtEl>
+                                          <p:spTgt spid="10"/>
+                                        </p:tgtEl>
+                                        <p:attrNameLst>
+                                          <p:attrName>style.visibility</p:attrName>
+                                        </p:attrNameLst>
+                                      </p:cBhvr>
+                                      <p:to>
+                                        <p:strVal val="hidden"/>
+                                      </p:to>
+                                    </p:set>
+                                  </p:subTnLst>
+                                </p:cTn>
+                              </p:par>
+                            </p:childTnLst>
+                          </p:cTn>
+                        </p:par>
+                      </p:childTnLst>
+                    </p:cTn>
+                  </p:par>
+                  <p:par>
+                    <p:cTn id="7" fill="hold">
+                      <p:stCondLst>
+                        <p:cond delay="indefinite"/>
+                      </p:stCondLst>
+                      <p:childTnLst>
+                        <p:par>
+                          <p:cTn id="8" fill="hold">
+                            <p:stCondLst>
+                              <p:cond delay="0"/>
+                            </p:stCondLst>
+                            <p:childTnLst>
+                              <p:par>
+                                <p:cTn id="9" presetID="1" presetClass="entr" presetSubtype="0" fill="hold" grpId="0" nodeType="clickEffect">
+                                  <p:stCondLst>
+                                    <p:cond delay="0"/>
+                                  </p:stCondLst>
+                                  <p:childTnLst>
+                                    <p:set>
+                                      <p:cBhvr>
+                                        <p:cTn id="10" dur="1" fill="hold">
+                                          <p:stCondLst>
+                                            <p:cond delay="0"/>
+                                          </p:stCondLst>
+                                        </p:cTn>
+                                        <p:tgtEl>
                                           <p:spTgt spid="8"/>
                                         </p:tgtEl>
                                         <p:attrNameLst>
@@ -13576,6 +14355,128 @@
                                         <p:cTn dur="1" fill="hold" display="0" masterRel="nextClick" afterEffect="1"/>
                                         <p:tgtEl>
                                           <p:spTgt spid="8"/>
+                                        </p:tgtEl>
+                                        <p:attrNameLst>
+                                          <p:attrName>style.visibility</p:attrName>
+                                        </p:attrNameLst>
+                                      </p:cBhvr>
+                                      <p:to>
+                                        <p:strVal val="hidden"/>
+                                      </p:to>
+                                    </p:set>
+                                  </p:subTnLst>
+                                </p:cTn>
+                              </p:par>
+                            </p:childTnLst>
+                          </p:cTn>
+                        </p:par>
+                      </p:childTnLst>
+                    </p:cTn>
+                  </p:par>
+                  <p:par>
+                    <p:cTn id="11" fill="hold">
+                      <p:stCondLst>
+                        <p:cond delay="indefinite"/>
+                      </p:stCondLst>
+                      <p:childTnLst>
+                        <p:par>
+                          <p:cTn id="12" fill="hold">
+                            <p:stCondLst>
+                              <p:cond delay="0"/>
+                            </p:stCondLst>
+                            <p:childTnLst>
+                              <p:par>
+                                <p:cTn id="13" presetID="1" presetClass="entr" presetSubtype="0" fill="hold" grpId="0" nodeType="clickEffect">
+                                  <p:stCondLst>
+                                    <p:cond delay="0"/>
+                                  </p:stCondLst>
+                                  <p:childTnLst>
+                                    <p:set>
+                                      <p:cBhvr>
+                                        <p:cTn id="14" dur="1" fill="hold">
+                                          <p:stCondLst>
+                                            <p:cond delay="0"/>
+                                          </p:stCondLst>
+                                        </p:cTn>
+                                        <p:tgtEl>
+                                          <p:spTgt spid="11"/>
+                                        </p:tgtEl>
+                                        <p:attrNameLst>
+                                          <p:attrName>style.visibility</p:attrName>
+                                        </p:attrNameLst>
+                                      </p:cBhvr>
+                                      <p:to>
+                                        <p:strVal val="visible"/>
+                                      </p:to>
+                                    </p:set>
+                                  </p:childTnLst>
+                                  <p:subTnLst>
+                                    <p:set>
+                                      <p:cBhvr override="childStyle">
+                                        <p:cTn dur="1" fill="hold" display="0" masterRel="nextClick" afterEffect="1"/>
+                                        <p:tgtEl>
+                                          <p:spTgt spid="11"/>
+                                        </p:tgtEl>
+                                        <p:attrNameLst>
+                                          <p:attrName>style.visibility</p:attrName>
+                                        </p:attrNameLst>
+                                      </p:cBhvr>
+                                      <p:to>
+                                        <p:strVal val="hidden"/>
+                                      </p:to>
+                                    </p:set>
+                                  </p:subTnLst>
+                                </p:cTn>
+                              </p:par>
+                            </p:childTnLst>
+                          </p:cTn>
+                        </p:par>
+                      </p:childTnLst>
+                    </p:cTn>
+                  </p:par>
+                  <p:par>
+                    <p:cTn id="15" fill="hold">
+                      <p:stCondLst>
+                        <p:cond delay="indefinite"/>
+                      </p:stCondLst>
+                      <p:childTnLst>
+                        <p:par>
+                          <p:cTn id="16" fill="hold">
+                            <p:stCondLst>
+                              <p:cond delay="0"/>
+                            </p:stCondLst>
+                            <p:childTnLst>
+                              <p:par>
+                                <p:cTn id="17" presetID="1" presetClass="entr" presetSubtype="0" fill="hold" grpId="0" nodeType="clickEffect">
+                                  <p:stCondLst>
+                                    <p:cond delay="0"/>
+                                  </p:stCondLst>
+                                  <p:childTnLst>
+                                    <p:set>
+                                      <p:cBhvr>
+                                        <p:cTn id="18" dur="1" fill="hold">
+                                          <p:stCondLst>
+                                            <p:cond delay="0"/>
+                                          </p:stCondLst>
+                                        </p:cTn>
+                                        <p:tgtEl>
+                                          <p:spTgt spid="9"/>
+                                        </p:tgtEl>
+                                        <p:attrNameLst>
+                                          <p:attrName>style.visibility</p:attrName>
+                                        </p:attrNameLst>
+                                      </p:cBhvr>
+                                      <p:to>
+                                        <p:strVal val="visible"/>
+                                      </p:to>
+                                    </p:set>
+                                  </p:childTnLst>
+                                  <p:subTnLst>
+                                    <p:set>
+                                      <p:cBhvr override="childStyle">
+                                        <p:cTn dur="1" fill="hold" display="0" masterRel="nextClick" afterEffect="1"/>
+                                        <p:tgtEl>
+                                          <p:spTgt spid="9"/>
                                         </p:tgtEl>
                                         <p:attrNameLst>
                                           <p:attrName>style.visibility</p:attrName>
@@ -13617,12 +14518,136 @@
     </p:tnLst>
     <p:bldLst>
       <p:bldP spid="8" grpId="0" animBg="1"/>
+      <p:bldP spid="9" grpId="0" animBg="1"/>
+      <p:bldP spid="10" grpId="0" animBg="1"/>
+      <p:bldP spid="11" grpId="0" animBg="1"/>
     </p:bldLst>
   </p:timing>
 </p:sld>
 </file>
 
-<file path=ppt/slides/slide19.xml><?xml version="1.0" encoding="utf-8"?>
+<file path=ppt/slides/slide2.xml><?xml version="1.0" encoding="utf-8"?>
+<p:sld xmlns:a="http://schemas.openxmlformats.org/drawingml/2006/main" xmlns:r="http://schemas.openxmlformats.org/officeDocument/2006/relationships" xmlns:p="http://schemas.openxmlformats.org/presentationml/2006/main">
+  <p:cSld>
+    <p:spTree>
+      <p:nvGrpSpPr>
+        <p:cNvPr id="1" name=""/>
+        <p:cNvGrpSpPr/>
+        <p:nvPr/>
+      </p:nvGrpSpPr>
+      <p:grpSpPr>
+        <a:xfrm>
+          <a:off x="0" y="0"/>
+          <a:ext cx="0" cy="0"/>
+          <a:chOff x="0" y="0"/>
+          <a:chExt cx="0" cy="0"/>
+        </a:xfrm>
+      </p:grpSpPr>
+      <p:sp>
+        <p:nvSpPr>
+          <p:cNvPr id="2" name="Titel 1">
+            <a:extLst>
+              <a:ext uri="{FF2B5EF4-FFF2-40B4-BE49-F238E27FC236}">
+                <a16:creationId xmlns:a16="http://schemas.microsoft.com/office/drawing/2014/main" id="{574A5A47-A541-3E45-B751-829AFEFFBCB3}"/>
+              </a:ext>
+            </a:extLst>
+          </p:cNvPr>
+          <p:cNvSpPr>
+            <a:spLocks noGrp="1"/>
+          </p:cNvSpPr>
+          <p:nvPr>
+            <p:ph type="title"/>
+          </p:nvPr>
+        </p:nvSpPr>
+        <p:spPr/>
+        <p:txBody>
+          <a:bodyPr/>
+          <a:lstStyle/>
+          <a:p>
+            <a:r>
+              <a:rPr lang="de-DE" dirty="0"/>
+              <a:t>Agenda</a:t>
+            </a:r>
+          </a:p>
+        </p:txBody>
+      </p:sp>
+      <p:sp>
+        <p:nvSpPr>
+          <p:cNvPr id="3" name="Inhaltsplatzhalter 2">
+            <a:extLst>
+              <a:ext uri="{FF2B5EF4-FFF2-40B4-BE49-F238E27FC236}">
+                <a16:creationId xmlns:a16="http://schemas.microsoft.com/office/drawing/2014/main" id="{F9D2D66F-04F0-0640-BA49-C0428BDC8D3C}"/>
+              </a:ext>
+            </a:extLst>
+          </p:cNvPr>
+          <p:cNvSpPr>
+            <a:spLocks noGrp="1"/>
+          </p:cNvSpPr>
+          <p:nvPr>
+            <p:ph idx="1"/>
+          </p:nvPr>
+        </p:nvSpPr>
+        <p:spPr/>
+        <p:txBody>
+          <a:bodyPr/>
+          <a:lstStyle/>
+          <a:p>
+            <a:r>
+              <a:rPr lang="de-DE" dirty="0"/>
+              <a:t>WHY? Background / </a:t>
+            </a:r>
+            <a:r>
+              <a:rPr lang="de-DE" dirty="0" err="1"/>
+              <a:t>Context</a:t>
+            </a:r>
+            <a:endParaRPr lang="de-DE" dirty="0"/>
+          </a:p>
+          <a:p>
+            <a:r>
+              <a:rPr lang="de-DE" dirty="0"/>
+              <a:t>The Solution</a:t>
+            </a:r>
+          </a:p>
+          <a:p>
+            <a:r>
+              <a:rPr lang="de-DE" dirty="0"/>
+              <a:t>Demo</a:t>
+            </a:r>
+          </a:p>
+          <a:p>
+            <a:r>
+              <a:rPr lang="de-DE" dirty="0" err="1"/>
+              <a:t>Customization</a:t>
+            </a:r>
+            <a:endParaRPr lang="de-DE" dirty="0"/>
+          </a:p>
+          <a:p>
+            <a:r>
+              <a:rPr lang="de-DE" dirty="0"/>
+              <a:t>Download / </a:t>
+            </a:r>
+            <a:r>
+              <a:rPr lang="de-DE" dirty="0" err="1"/>
+              <a:t>GitHub</a:t>
+            </a:r>
+            <a:endParaRPr lang="de-DE" dirty="0"/>
+          </a:p>
+        </p:txBody>
+      </p:sp>
+    </p:spTree>
+    <p:extLst>
+      <p:ext uri="{BB962C8B-B14F-4D97-AF65-F5344CB8AC3E}">
+        <p14:creationId xmlns:p14="http://schemas.microsoft.com/office/powerpoint/2010/main" val="2055609958"/>
+      </p:ext>
+    </p:extLst>
+  </p:cSld>
+  <p:clrMapOvr>
+    <a:masterClrMapping/>
+  </p:clrMapOvr>
+</p:sld>
+</file>
+
+<file path=ppt/slides/slide20.xml><?xml version="1.0" encoding="utf-8"?>
 <p:sld xmlns:a="http://schemas.openxmlformats.org/drawingml/2006/main" xmlns:r="http://schemas.openxmlformats.org/officeDocument/2006/relationships" xmlns:p="http://schemas.openxmlformats.org/presentationml/2006/main">
   <p:cSld>
     <p:spTree>
@@ -13723,12 +14748,12 @@
         <p:spPr>
           <a:xfrm>
             <a:off x="1219359" y="2354905"/>
-            <a:ext cx="15323371" cy="9897422"/>
+            <a:ext cx="12972129" cy="9897422"/>
           </a:xfrm>
         </p:spPr>
         <p:txBody>
           <a:bodyPr>
-            <a:normAutofit/>
+            <a:normAutofit lnSpcReduction="10000"/>
           </a:bodyPr>
           <a:lstStyle/>
           <a:p>
@@ -13860,7 +14885,7 @@
                 <a:latin typeface="Consolas" panose="020B0609020204030204" pitchFamily="49" charset="0"/>
                 <a:cs typeface="Consolas" panose="020B0609020204030204" pitchFamily="49" charset="0"/>
               </a:rPr>
-              <a:t>patches</a:t>
+              <a:t>sql</a:t>
             </a:r>
             <a:r>
               <a:rPr lang="de-DE" dirty="0"/>
@@ -13870,28 +14895,8 @@
           <a:p>
             <a:pPr lvl="1"/>
             <a:r>
-              <a:rPr lang="de-DE" dirty="0"/>
-              <a:t>&lt;</a:t>
-            </a:r>
-            <a:r>
-              <a:rPr lang="de-DE" dirty="0" err="1"/>
-              <a:t>year</a:t>
-            </a:r>
-            <a:r>
-              <a:rPr lang="de-DE" dirty="0"/>
-              <a:t>&gt;/&lt;</a:t>
-            </a:r>
-            <a:r>
-              <a:rPr lang="de-DE" dirty="0" err="1"/>
-              <a:t>year-month-day</a:t>
-            </a:r>
-            <a:r>
-              <a:rPr lang="de-DE" dirty="0"/>
-              <a:t>&gt;-&lt;</a:t>
-            </a:r>
-            <a:r>
-              <a:rPr lang="de-DE" dirty="0" err="1"/>
-              <a:t>patch</a:t>
+              <a:rPr lang="de-DE" dirty="0" err="1"/>
+              <a:t>sql</a:t>
             </a:r>
             <a:r>
               <a:rPr lang="de-DE" dirty="0"/>
@@ -13899,15 +14904,7 @@
             </a:r>
             <a:r>
               <a:rPr lang="de-DE" dirty="0" err="1"/>
-              <a:t>name</a:t>
-            </a:r>
-            <a:r>
-              <a:rPr lang="de-DE" dirty="0"/>
-              <a:t>&gt; </a:t>
-            </a:r>
-            <a:r>
-              <a:rPr lang="de-DE" dirty="0" err="1"/>
-              <a:t>is</a:t>
+              <a:t>source</a:t>
             </a:r>
             <a:r>
               <a:rPr lang="de-DE" dirty="0"/>
@@ -13915,49 +14912,8 @@
             </a:r>
             <a:r>
               <a:rPr lang="de-DE" dirty="0" err="1"/>
-              <a:t>generated</a:t>
-            </a:r>
-            <a:r>
-              <a:rPr lang="de-DE" dirty="0"/>
-              <a:t> </a:t>
-            </a:r>
-            <a:r>
-              <a:rPr lang="de-DE" dirty="0" err="1"/>
-              <a:t>through</a:t>
-            </a:r>
-            <a:r>
-              <a:rPr lang="de-DE" dirty="0"/>
-              <a:t> </a:t>
-            </a:r>
-            <a:r>
-              <a:rPr lang="de-DE" dirty="0" err="1"/>
-              <a:t>the</a:t>
-            </a:r>
-            <a:r>
-              <a:rPr lang="de-DE" dirty="0"/>
-              <a:t> </a:t>
-            </a:r>
-            <a:r>
-              <a:rPr lang="de-DE" dirty="0" err="1"/>
-              <a:t>batch</a:t>
-            </a:r>
-            <a:r>
-              <a:rPr lang="de-DE" dirty="0"/>
-              <a:t> </a:t>
-            </a:r>
-            <a:r>
-              <a:rPr lang="de-DE" dirty="0" err="1"/>
-              <a:t>script</a:t>
-            </a:r>
-            <a:r>
-              <a:rPr lang="de-DE" dirty="0"/>
-              <a:t> </a:t>
-            </a:r>
-            <a:r>
-              <a:rPr lang="de-DE" dirty="0" err="1"/>
-              <a:t>initialize-patch.sh</a:t>
-            </a:r>
-            <a:endParaRPr lang="de-DE" dirty="0"/>
+              <a:t>files</a:t>
+            </a:r>
           </a:p>
           <a:p>
             <a:r>
@@ -13969,7 +14925,7 @@
                 <a:latin typeface="Consolas" panose="020B0609020204030204" pitchFamily="49" charset="0"/>
                 <a:cs typeface="Consolas" panose="020B0609020204030204" pitchFamily="49" charset="0"/>
               </a:rPr>
-              <a:t>sql</a:t>
+              <a:t>patches</a:t>
             </a:r>
             <a:r>
               <a:rPr lang="de-DE" dirty="0"/>
@@ -13979,8 +14935,28 @@
           <a:p>
             <a:pPr lvl="1"/>
             <a:r>
-              <a:rPr lang="de-DE" dirty="0" err="1"/>
-              <a:t>sql</a:t>
+              <a:rPr lang="de-DE" dirty="0"/>
+              <a:t>&lt;</a:t>
+            </a:r>
+            <a:r>
+              <a:rPr lang="de-DE" dirty="0" err="1"/>
+              <a:t>year</a:t>
+            </a:r>
+            <a:r>
+              <a:rPr lang="de-DE" dirty="0"/>
+              <a:t>&gt;/&lt;</a:t>
+            </a:r>
+            <a:r>
+              <a:rPr lang="de-DE" dirty="0" err="1"/>
+              <a:t>year-month-day</a:t>
+            </a:r>
+            <a:r>
+              <a:rPr lang="de-DE" dirty="0"/>
+              <a:t>&gt;-&lt;</a:t>
+            </a:r>
+            <a:r>
+              <a:rPr lang="de-DE" dirty="0" err="1"/>
+              <a:t>patch</a:t>
             </a:r>
             <a:r>
               <a:rPr lang="de-DE" dirty="0"/>
@@ -13988,7 +14964,15 @@
             </a:r>
             <a:r>
               <a:rPr lang="de-DE" dirty="0" err="1"/>
-              <a:t>source</a:t>
+              <a:t>name</a:t>
+            </a:r>
+            <a:r>
+              <a:rPr lang="de-DE" dirty="0"/>
+              <a:t>&gt; </a:t>
+            </a:r>
+            <a:r>
+              <a:rPr lang="de-DE" dirty="0" err="1"/>
+              <a:t>is</a:t>
             </a:r>
             <a:r>
               <a:rPr lang="de-DE" dirty="0"/>
@@ -13996,7 +14980,47 @@
             </a:r>
             <a:r>
               <a:rPr lang="de-DE" dirty="0" err="1"/>
-              <a:t>files</a:t>
+              <a:t>generated</a:t>
+            </a:r>
+            <a:r>
+              <a:rPr lang="de-DE" dirty="0"/>
+              <a:t> </a:t>
+            </a:r>
+            <a:r>
+              <a:rPr lang="de-DE" dirty="0" err="1"/>
+              <a:t>through</a:t>
+            </a:r>
+            <a:r>
+              <a:rPr lang="de-DE" dirty="0"/>
+              <a:t> </a:t>
+            </a:r>
+            <a:r>
+              <a:rPr lang="de-DE" dirty="0" err="1"/>
+              <a:t>the</a:t>
+            </a:r>
+            <a:r>
+              <a:rPr lang="de-DE" dirty="0"/>
+              <a:t> </a:t>
+            </a:r>
+            <a:r>
+              <a:rPr lang="de-DE" dirty="0" err="1"/>
+              <a:t>batch</a:t>
+            </a:r>
+            <a:r>
+              <a:rPr lang="de-DE" dirty="0"/>
+              <a:t> </a:t>
+            </a:r>
+            <a:r>
+              <a:rPr lang="de-DE" dirty="0" err="1"/>
+              <a:t>script</a:t>
+            </a:r>
+            <a:r>
+              <a:rPr lang="de-DE" dirty="0"/>
+              <a:t> </a:t>
+            </a:r>
+            <a:r>
+              <a:rPr lang="de-DE" dirty="0" err="1"/>
+              <a:t>initialize-patch.sh</a:t>
             </a:r>
             <a:endParaRPr lang="de-DE" dirty="0"/>
           </a:p>
@@ -14161,10 +15185,98 @@
           </a:p>
         </p:txBody>
       </p:sp>
+      <p:pic>
+        <p:nvPicPr>
+          <p:cNvPr id="11" name="Grafik 10">
+            <a:extLst>
+              <a:ext uri="{FF2B5EF4-FFF2-40B4-BE49-F238E27FC236}">
+                <a16:creationId xmlns:a16="http://schemas.microsoft.com/office/drawing/2014/main" id="{FF2C4727-5C7E-D34D-9A6F-1AFD54560B54}"/>
+              </a:ext>
+            </a:extLst>
+          </p:cNvPr>
+          <p:cNvPicPr>
+            <a:picLocks noChangeAspect="1"/>
+          </p:cNvPicPr>
+          <p:nvPr/>
+        </p:nvPicPr>
+        <p:blipFill>
+          <a:blip r:embed="rId3"/>
+          <a:stretch>
+            <a:fillRect/>
+          </a:stretch>
+        </p:blipFill>
+        <p:spPr>
+          <a:xfrm>
+            <a:off x="13459665" y="341199"/>
+            <a:ext cx="5567137" cy="7607047"/>
+          </a:xfrm>
+          <a:prstGeom prst="rect">
+            <a:avLst/>
+          </a:prstGeom>
+          <a:ln>
+            <a:solidFill>
+              <a:schemeClr val="accent1"/>
+            </a:solidFill>
+          </a:ln>
+        </p:spPr>
+      </p:pic>
+      <p:sp>
+        <p:nvSpPr>
+          <p:cNvPr id="14" name="Abgerundetes Rechteck 13">
+            <a:extLst>
+              <a:ext uri="{FF2B5EF4-FFF2-40B4-BE49-F238E27FC236}">
+                <a16:creationId xmlns:a16="http://schemas.microsoft.com/office/drawing/2014/main" id="{14C061DF-56F3-A747-8359-7F4A97ED667B}"/>
+              </a:ext>
+            </a:extLst>
+          </p:cNvPr>
+          <p:cNvSpPr/>
+          <p:nvPr/>
+        </p:nvSpPr>
+        <p:spPr bwMode="auto">
+          <a:xfrm>
+            <a:off x="19261264" y="10756590"/>
+            <a:ext cx="4611757" cy="1355816"/>
+          </a:xfrm>
+          <a:prstGeom prst="roundRect">
+            <a:avLst/>
+          </a:prstGeom>
+          <a:solidFill>
+            <a:schemeClr val="accent1">
+              <a:alpha val="10000"/>
+            </a:schemeClr>
+          </a:solidFill>
+          <a:ln w="76200" cap="flat" cmpd="sng" algn="ctr">
+            <a:solidFill>
+              <a:schemeClr val="accent1"/>
+            </a:solidFill>
+            <a:prstDash val="solid"/>
+            <a:round/>
+            <a:headEnd type="none" w="med" len="med"/>
+            <a:tailEnd type="none" w="med" len="med"/>
+          </a:ln>
+          <a:effectLst/>
+        </p:spPr>
+        <p:txBody>
+          <a:bodyPr wrap="none" lIns="0" tIns="0" rIns="0" bIns="0" anchor="ctr"/>
+          <a:lstStyle/>
+          <a:p>
+            <a:pPr>
+              <a:buFont typeface="Wingdings" pitchFamily="2" charset="2"/>
+              <a:buNone/>
+              <a:defRPr/>
+            </a:pPr>
+            <a:endParaRPr lang="de-DE">
+              <a:latin typeface="Arial Unicode MS" pitchFamily="34" charset="-128"/>
+              <a:ea typeface="+mn-ea"/>
+              <a:cs typeface="+mn-cs"/>
+            </a:endParaRPr>
+          </a:p>
+        </p:txBody>
+      </p:sp>
     </p:spTree>
     <p:extLst>
       <p:ext uri="{BB962C8B-B14F-4D97-AF65-F5344CB8AC3E}">
-        <p14:creationId xmlns:p14="http://schemas.microsoft.com/office/powerpoint/2010/main" val="1854412282"/>
+        <p14:creationId xmlns:p14="http://schemas.microsoft.com/office/powerpoint/2010/main" val="689460572"/>
       </p:ext>
     </p:extLst>
   </p:cSld>
@@ -14266,7 +15378,7 @@
                                           </p:stCondLst>
                                         </p:cTn>
                                         <p:tgtEl>
-                                          <p:spTgt spid="12"/>
+                                          <p:spTgt spid="13"/>
                                         </p:tgtEl>
                                         <p:attrNameLst>
                                           <p:attrName>style.visibility</p:attrName>
@@ -14282,7 +15394,7 @@
                                       <p:cBhvr override="childStyle">
                                         <p:cTn dur="1" fill="hold" display="0" masterRel="nextClick" afterEffect="1"/>
                                         <p:tgtEl>
-                                          <p:spTgt spid="12"/>
+                                          <p:spTgt spid="13"/>
                                         </p:tgtEl>
                                         <p:attrNameLst>
                                           <p:attrName>style.visibility</p:attrName>
@@ -14327,7 +15439,7 @@
                                           </p:stCondLst>
                                         </p:cTn>
                                         <p:tgtEl>
-                                          <p:spTgt spid="13"/>
+                                          <p:spTgt spid="12"/>
                                         </p:tgtEl>
                                         <p:attrNameLst>
                                           <p:attrName>style.visibility</p:attrName>
@@ -14343,7 +15455,633 @@
                                       <p:cBhvr override="childStyle">
                                         <p:cTn dur="1" fill="hold" display="0" masterRel="nextClick" afterEffect="1"/>
                                         <p:tgtEl>
-                                          <p:spTgt spid="13"/>
+                                          <p:spTgt spid="12"/>
+                                        </p:tgtEl>
+                                        <p:attrNameLst>
+                                          <p:attrName>style.visibility</p:attrName>
+                                        </p:attrNameLst>
+                                      </p:cBhvr>
+                                      <p:to>
+                                        <p:strVal val="hidden"/>
+                                      </p:to>
+                                    </p:set>
+                                  </p:subTnLst>
+                                </p:cTn>
+                              </p:par>
+                            </p:childTnLst>
+                          </p:cTn>
+                        </p:par>
+                      </p:childTnLst>
+                    </p:cTn>
+                  </p:par>
+                  <p:par>
+                    <p:cTn id="15" fill="hold">
+                      <p:stCondLst>
+                        <p:cond delay="indefinite"/>
+                      </p:stCondLst>
+                      <p:childTnLst>
+                        <p:par>
+                          <p:cTn id="16" fill="hold">
+                            <p:stCondLst>
+                              <p:cond delay="0"/>
+                            </p:stCondLst>
+                            <p:childTnLst>
+                              <p:par>
+                                <p:cTn id="17" presetID="1" presetClass="entr" presetSubtype="0" fill="hold" grpId="0" nodeType="clickEffect">
+                                  <p:stCondLst>
+                                    <p:cond delay="0"/>
+                                  </p:stCondLst>
+                                  <p:childTnLst>
+                                    <p:set>
+                                      <p:cBhvr>
+                                        <p:cTn id="18" dur="1" fill="hold">
+                                          <p:stCondLst>
+                                            <p:cond delay="0"/>
+                                          </p:stCondLst>
+                                        </p:cTn>
+                                        <p:tgtEl>
+                                          <p:spTgt spid="14"/>
+                                        </p:tgtEl>
+                                        <p:attrNameLst>
+                                          <p:attrName>style.visibility</p:attrName>
+                                        </p:attrNameLst>
+                                      </p:cBhvr>
+                                      <p:to>
+                                        <p:strVal val="visible"/>
+                                      </p:to>
+                                    </p:set>
+                                  </p:childTnLst>
+                                  <p:subTnLst>
+                                    <p:set>
+                                      <p:cBhvr override="childStyle">
+                                        <p:cTn dur="1" fill="hold" display="0" masterRel="nextClick" afterEffect="1"/>
+                                        <p:tgtEl>
+                                          <p:spTgt spid="14"/>
+                                        </p:tgtEl>
+                                        <p:attrNameLst>
+                                          <p:attrName>style.visibility</p:attrName>
+                                        </p:attrNameLst>
+                                      </p:cBhvr>
+                                      <p:to>
+                                        <p:strVal val="hidden"/>
+                                      </p:to>
+                                    </p:set>
+                                  </p:subTnLst>
+                                </p:cTn>
+                              </p:par>
+                            </p:childTnLst>
+                          </p:cTn>
+                        </p:par>
+                      </p:childTnLst>
+                    </p:cTn>
+                  </p:par>
+                  <p:par>
+                    <p:cTn id="19" fill="hold">
+                      <p:stCondLst>
+                        <p:cond delay="indefinite"/>
+                      </p:stCondLst>
+                      <p:childTnLst>
+                        <p:par>
+                          <p:cTn id="20" fill="hold">
+                            <p:stCondLst>
+                              <p:cond delay="0"/>
+                            </p:stCondLst>
+                            <p:childTnLst>
+                              <p:par>
+                                <p:cTn id="21" presetID="1" presetClass="entr" presetSubtype="0" fill="hold" nodeType="clickEffect">
+                                  <p:stCondLst>
+                                    <p:cond delay="0"/>
+                                  </p:stCondLst>
+                                  <p:childTnLst>
+                                    <p:set>
+                                      <p:cBhvr>
+                                        <p:cTn id="22" dur="1" fill="hold">
+                                          <p:stCondLst>
+                                            <p:cond delay="0"/>
+                                          </p:stCondLst>
+                                        </p:cTn>
+                                        <p:tgtEl>
+                                          <p:spTgt spid="11"/>
+                                        </p:tgtEl>
+                                        <p:attrNameLst>
+                                          <p:attrName>style.visibility</p:attrName>
+                                        </p:attrNameLst>
+                                      </p:cBhvr>
+                                      <p:to>
+                                        <p:strVal val="visible"/>
+                                      </p:to>
+                                    </p:set>
+                                  </p:childTnLst>
+                                </p:cTn>
+                              </p:par>
+                            </p:childTnLst>
+                          </p:cTn>
+                        </p:par>
+                      </p:childTnLst>
+                    </p:cTn>
+                  </p:par>
+                </p:childTnLst>
+              </p:cTn>
+              <p:prevCondLst>
+                <p:cond evt="onPrev" delay="0">
+                  <p:tgtEl>
+                    <p:sldTgt/>
+                  </p:tgtEl>
+                </p:cond>
+              </p:prevCondLst>
+              <p:nextCondLst>
+                <p:cond evt="onNext" delay="0">
+                  <p:tgtEl>
+                    <p:sldTgt/>
+                  </p:tgtEl>
+                </p:cond>
+              </p:nextCondLst>
+            </p:seq>
+          </p:childTnLst>
+        </p:cTn>
+      </p:par>
+    </p:tnLst>
+    <p:bldLst>
+      <p:bldP spid="9" grpId="0" animBg="1"/>
+      <p:bldP spid="12" grpId="0" animBg="1"/>
+      <p:bldP spid="13" grpId="0" animBg="1"/>
+      <p:bldP spid="14" grpId="0" animBg="1"/>
+    </p:bldLst>
+  </p:timing>
+</p:sld>
+</file>
+
+<file path=ppt/slides/slide21.xml><?xml version="1.0" encoding="utf-8"?>
+<p:sld xmlns:a="http://schemas.openxmlformats.org/drawingml/2006/main" xmlns:r="http://schemas.openxmlformats.org/officeDocument/2006/relationships" xmlns:p="http://schemas.openxmlformats.org/presentationml/2006/main">
+  <p:cSld>
+    <p:spTree>
+      <p:nvGrpSpPr>
+        <p:cNvPr id="1" name=""/>
+        <p:cNvGrpSpPr/>
+        <p:nvPr/>
+      </p:nvGrpSpPr>
+      <p:grpSpPr>
+        <a:xfrm>
+          <a:off x="0" y="0"/>
+          <a:ext cx="0" cy="0"/>
+          <a:chOff x="0" y="0"/>
+          <a:chExt cx="0" cy="0"/>
+        </a:xfrm>
+      </p:grpSpPr>
+      <p:pic>
+        <p:nvPicPr>
+          <p:cNvPr id="4" name="Grafik 3">
+            <a:extLst>
+              <a:ext uri="{FF2B5EF4-FFF2-40B4-BE49-F238E27FC236}">
+                <a16:creationId xmlns:a16="http://schemas.microsoft.com/office/drawing/2014/main" id="{B3F6CED8-89D3-8A40-A308-4D11ECF8D9B1}"/>
+              </a:ext>
+            </a:extLst>
+          </p:cNvPr>
+          <p:cNvPicPr>
+            <a:picLocks noChangeAspect="1"/>
+          </p:cNvPicPr>
+          <p:nvPr/>
+        </p:nvPicPr>
+        <p:blipFill>
+          <a:blip r:embed="rId2"/>
+          <a:stretch>
+            <a:fillRect/>
+          </a:stretch>
+        </p:blipFill>
+        <p:spPr>
+          <a:xfrm>
+            <a:off x="19273328" y="255375"/>
+            <a:ext cx="4615777" cy="13222639"/>
+          </a:xfrm>
+          <a:prstGeom prst="rect">
+            <a:avLst/>
+          </a:prstGeom>
+          <a:ln>
+            <a:solidFill>
+              <a:schemeClr val="accent1"/>
+            </a:solidFill>
+          </a:ln>
+        </p:spPr>
+      </p:pic>
+      <p:sp>
+        <p:nvSpPr>
+          <p:cNvPr id="2" name="Titel 1">
+            <a:extLst>
+              <a:ext uri="{FF2B5EF4-FFF2-40B4-BE49-F238E27FC236}">
+                <a16:creationId xmlns:a16="http://schemas.microsoft.com/office/drawing/2014/main" id="{574A5A47-A541-3E45-B751-829AFEFFBCB3}"/>
+              </a:ext>
+            </a:extLst>
+          </p:cNvPr>
+          <p:cNvSpPr>
+            <a:spLocks noGrp="1"/>
+          </p:cNvSpPr>
+          <p:nvPr>
+            <p:ph type="title"/>
+          </p:nvPr>
+        </p:nvSpPr>
+        <p:spPr/>
+        <p:txBody>
+          <a:bodyPr>
+            <a:normAutofit/>
+          </a:bodyPr>
+          <a:lstStyle/>
+          <a:p>
+            <a:r>
+              <a:rPr lang="de-DE" dirty="0"/>
+              <a:t>The Solution - INSTALLER</a:t>
+            </a:r>
+          </a:p>
+        </p:txBody>
+      </p:sp>
+      <p:sp>
+        <p:nvSpPr>
+          <p:cNvPr id="3" name="Inhaltsplatzhalter 2">
+            <a:extLst>
+              <a:ext uri="{FF2B5EF4-FFF2-40B4-BE49-F238E27FC236}">
+                <a16:creationId xmlns:a16="http://schemas.microsoft.com/office/drawing/2014/main" id="{F9D2D66F-04F0-0640-BA49-C0428BDC8D3C}"/>
+              </a:ext>
+            </a:extLst>
+          </p:cNvPr>
+          <p:cNvSpPr>
+            <a:spLocks noGrp="1"/>
+          </p:cNvSpPr>
+          <p:nvPr>
+            <p:ph idx="1"/>
+          </p:nvPr>
+        </p:nvSpPr>
+        <p:spPr>
+          <a:xfrm>
+            <a:off x="1219359" y="2354905"/>
+            <a:ext cx="15323371" cy="9897422"/>
+          </a:xfrm>
+        </p:spPr>
+        <p:txBody>
+          <a:bodyPr>
+            <a:normAutofit/>
+          </a:bodyPr>
+          <a:lstStyle/>
+          <a:p>
+            <a:r>
+              <a:rPr lang="de-DE" dirty="0" err="1"/>
+              <a:t>Iterate</a:t>
+            </a:r>
+            <a:r>
+              <a:rPr lang="de-DE" dirty="0"/>
+              <a:t> </a:t>
+            </a:r>
+            <a:r>
+              <a:rPr lang="de-DE" dirty="0" err="1"/>
+              <a:t>through</a:t>
+            </a:r>
+            <a:r>
+              <a:rPr lang="de-DE" dirty="0"/>
+              <a:t> </a:t>
+            </a:r>
+            <a:r>
+              <a:rPr lang="de-DE" dirty="0" err="1"/>
+              <a:t>folder</a:t>
+            </a:r>
+            <a:r>
+              <a:rPr lang="de-DE" dirty="0"/>
+              <a:t> </a:t>
+            </a:r>
+            <a:r>
+              <a:rPr lang="de-DE" dirty="0" err="1"/>
+              <a:t>tree</a:t>
+            </a:r>
+            <a:r>
+              <a:rPr lang="de-DE" dirty="0"/>
+              <a:t> </a:t>
+            </a:r>
+            <a:r>
+              <a:rPr lang="de-DE" dirty="0" err="1"/>
+              <a:t>and</a:t>
+            </a:r>
+            <a:r>
+              <a:rPr lang="de-DE" dirty="0"/>
+              <a:t> </a:t>
+            </a:r>
+            <a:r>
+              <a:rPr lang="de-DE" dirty="0" err="1"/>
+              <a:t>execute</a:t>
+            </a:r>
+            <a:r>
+              <a:rPr lang="de-DE" dirty="0"/>
+              <a:t> </a:t>
+            </a:r>
+            <a:r>
+              <a:rPr lang="de-DE" dirty="0" err="1"/>
+              <a:t>files</a:t>
+            </a:r>
+            <a:endParaRPr lang="de-DE" dirty="0"/>
+          </a:p>
+          <a:p>
+            <a:r>
+              <a:rPr lang="de-DE" dirty="0"/>
+              <a:t>Connection </a:t>
+            </a:r>
+            <a:r>
+              <a:rPr lang="de-DE" dirty="0" err="1"/>
+              <a:t>pool</a:t>
+            </a:r>
+            <a:r>
+              <a:rPr lang="de-DE" dirty="0"/>
+              <a:t> </a:t>
+            </a:r>
+            <a:r>
+              <a:rPr lang="de-DE" dirty="0" err="1"/>
+              <a:t>is</a:t>
+            </a:r>
+            <a:r>
+              <a:rPr lang="de-DE" dirty="0"/>
+              <a:t> </a:t>
+            </a:r>
+            <a:r>
+              <a:rPr lang="de-DE" dirty="0" err="1"/>
+              <a:t>chosen</a:t>
+            </a:r>
+            <a:r>
+              <a:rPr lang="de-DE" dirty="0"/>
+              <a:t> </a:t>
+            </a:r>
+            <a:r>
+              <a:rPr lang="de-DE" dirty="0" err="1"/>
+              <a:t>based</a:t>
+            </a:r>
+            <a:r>
+              <a:rPr lang="de-DE" dirty="0"/>
+              <a:t> on </a:t>
+            </a:r>
+            <a:r>
+              <a:rPr lang="de-DE" dirty="0" err="1"/>
+              <a:t>regular</a:t>
+            </a:r>
+            <a:r>
+              <a:rPr lang="de-DE" dirty="0"/>
+              <a:t> </a:t>
+            </a:r>
+            <a:r>
+              <a:rPr lang="de-DE" dirty="0" err="1"/>
+              <a:t>expression</a:t>
+            </a:r>
+            <a:r>
+              <a:rPr lang="de-DE" dirty="0"/>
+              <a:t> </a:t>
+            </a:r>
+            <a:r>
+              <a:rPr lang="de-DE" dirty="0" err="1"/>
+              <a:t>of</a:t>
+            </a:r>
+            <a:r>
+              <a:rPr lang="de-DE" dirty="0"/>
+              <a:t> </a:t>
+            </a:r>
+            <a:r>
+              <a:rPr lang="de-DE" dirty="0" err="1"/>
+              <a:t>the</a:t>
+            </a:r>
+            <a:r>
+              <a:rPr lang="de-DE" dirty="0"/>
+              <a:t> </a:t>
+            </a:r>
+            <a:r>
+              <a:rPr lang="de-DE" dirty="0" err="1"/>
+              <a:t>file</a:t>
+            </a:r>
+            <a:r>
+              <a:rPr lang="de-DE" dirty="0"/>
+              <a:t> </a:t>
+            </a:r>
+            <a:r>
+              <a:rPr lang="de-DE" dirty="0" err="1"/>
+              <a:t>path</a:t>
+            </a:r>
+            <a:endParaRPr lang="de-DE" dirty="0"/>
+          </a:p>
+          <a:p>
+            <a:r>
+              <a:rPr lang="de-DE" dirty="0"/>
+              <a:t>Scripts </a:t>
+            </a:r>
+            <a:r>
+              <a:rPr lang="de-DE" dirty="0" err="1"/>
+              <a:t>are</a:t>
+            </a:r>
+            <a:r>
+              <a:rPr lang="de-DE" dirty="0"/>
+              <a:t> </a:t>
+            </a:r>
+            <a:r>
+              <a:rPr lang="de-DE" dirty="0" err="1"/>
+              <a:t>organized</a:t>
+            </a:r>
+            <a:r>
+              <a:rPr lang="de-DE" dirty="0"/>
+              <a:t> in </a:t>
+            </a:r>
+            <a:r>
+              <a:rPr lang="de-DE" dirty="0" err="1"/>
+              <a:t>folders</a:t>
+            </a:r>
+            <a:r>
+              <a:rPr lang="de-DE" dirty="0"/>
+              <a:t> </a:t>
+            </a:r>
+            <a:r>
+              <a:rPr lang="de-DE" dirty="0" err="1"/>
+              <a:t>to</a:t>
+            </a:r>
+            <a:r>
+              <a:rPr lang="de-DE" dirty="0"/>
+              <a:t> </a:t>
+            </a:r>
+            <a:r>
+              <a:rPr lang="de-DE" dirty="0" err="1"/>
+              <a:t>minimize</a:t>
+            </a:r>
+            <a:r>
+              <a:rPr lang="de-DE" dirty="0"/>
+              <a:t> </a:t>
+            </a:r>
+            <a:r>
+              <a:rPr lang="de-DE" dirty="0" err="1"/>
+              <a:t>errors</a:t>
+            </a:r>
+            <a:r>
+              <a:rPr lang="de-DE" dirty="0"/>
+              <a:t> (</a:t>
+            </a:r>
+            <a:r>
+              <a:rPr lang="de-DE" dirty="0" err="1"/>
+              <a:t>dependencies</a:t>
+            </a:r>
+            <a:r>
+              <a:rPr lang="de-DE" dirty="0"/>
+              <a:t> / </a:t>
+            </a:r>
+            <a:r>
+              <a:rPr lang="de-DE" dirty="0" err="1"/>
+              <a:t>compilation</a:t>
+            </a:r>
+            <a:r>
+              <a:rPr lang="de-DE" dirty="0"/>
+              <a:t>)</a:t>
+            </a:r>
+          </a:p>
+        </p:txBody>
+      </p:sp>
+      <p:sp>
+        <p:nvSpPr>
+          <p:cNvPr id="12" name="Abgerundetes Rechteck 11">
+            <a:extLst>
+              <a:ext uri="{FF2B5EF4-FFF2-40B4-BE49-F238E27FC236}">
+                <a16:creationId xmlns:a16="http://schemas.microsoft.com/office/drawing/2014/main" id="{205AED3B-9901-4B43-9E4C-5594E1A3DD2E}"/>
+              </a:ext>
+            </a:extLst>
+          </p:cNvPr>
+          <p:cNvSpPr/>
+          <p:nvPr/>
+        </p:nvSpPr>
+        <p:spPr bwMode="auto">
+          <a:xfrm>
+            <a:off x="19273327" y="10497312"/>
+            <a:ext cx="4611757" cy="1597705"/>
+          </a:xfrm>
+          <a:prstGeom prst="roundRect">
+            <a:avLst/>
+          </a:prstGeom>
+          <a:solidFill>
+            <a:schemeClr val="accent1">
+              <a:alpha val="10000"/>
+            </a:schemeClr>
+          </a:solidFill>
+          <a:ln w="76200" cap="flat" cmpd="sng" algn="ctr">
+            <a:solidFill>
+              <a:schemeClr val="accent1"/>
+            </a:solidFill>
+            <a:prstDash val="solid"/>
+            <a:round/>
+            <a:headEnd type="none" w="med" len="med"/>
+            <a:tailEnd type="none" w="med" len="med"/>
+          </a:ln>
+          <a:effectLst/>
+        </p:spPr>
+        <p:txBody>
+          <a:bodyPr wrap="none" lIns="0" tIns="0" rIns="0" bIns="0" anchor="ctr"/>
+          <a:lstStyle/>
+          <a:p>
+            <a:pPr>
+              <a:buFont typeface="Wingdings" pitchFamily="2" charset="2"/>
+              <a:buNone/>
+              <a:defRPr/>
+            </a:pPr>
+            <a:endParaRPr lang="de-DE">
+              <a:latin typeface="Arial Unicode MS" pitchFamily="34" charset="-128"/>
+              <a:ea typeface="+mn-ea"/>
+              <a:cs typeface="+mn-cs"/>
+            </a:endParaRPr>
+          </a:p>
+        </p:txBody>
+      </p:sp>
+      <p:pic>
+        <p:nvPicPr>
+          <p:cNvPr id="5" name="Grafik 4">
+            <a:extLst>
+              <a:ext uri="{FF2B5EF4-FFF2-40B4-BE49-F238E27FC236}">
+                <a16:creationId xmlns:a16="http://schemas.microsoft.com/office/drawing/2014/main" id="{0A284B2F-44F7-6944-997F-ABC33B4C1FE8}"/>
+              </a:ext>
+            </a:extLst>
+          </p:cNvPr>
+          <p:cNvPicPr>
+            <a:picLocks noChangeAspect="1"/>
+          </p:cNvPicPr>
+          <p:nvPr/>
+        </p:nvPicPr>
+        <p:blipFill>
+          <a:blip r:embed="rId3"/>
+          <a:stretch>
+            <a:fillRect/>
+          </a:stretch>
+        </p:blipFill>
+        <p:spPr>
+          <a:xfrm>
+            <a:off x="14460602" y="6287160"/>
+            <a:ext cx="4164256" cy="7190854"/>
+          </a:xfrm>
+          <a:prstGeom prst="rect">
+            <a:avLst/>
+          </a:prstGeom>
+          <a:ln>
+            <a:solidFill>
+              <a:schemeClr val="accent1"/>
+            </a:solidFill>
+          </a:ln>
+        </p:spPr>
+      </p:pic>
+    </p:spTree>
+    <p:extLst>
+      <p:ext uri="{BB962C8B-B14F-4D97-AF65-F5344CB8AC3E}">
+        <p14:creationId xmlns:p14="http://schemas.microsoft.com/office/powerpoint/2010/main" val="1854412282"/>
+      </p:ext>
+    </p:extLst>
+  </p:cSld>
+  <p:clrMapOvr>
+    <a:masterClrMapping/>
+  </p:clrMapOvr>
+  <p:timing>
+    <p:tnLst>
+      <p:par>
+        <p:cTn id="1" dur="indefinite" restart="never" nodeType="tmRoot">
+          <p:childTnLst>
+            <p:seq concurrent="1" nextAc="seek">
+              <p:cTn id="2" dur="indefinite" nodeType="mainSeq">
+                <p:childTnLst>
+                  <p:par>
+                    <p:cTn id="3" fill="hold">
+                      <p:stCondLst>
+                        <p:cond delay="indefinite"/>
+                        <p:cond evt="onBegin" delay="0">
+                          <p:tn val="2"/>
+                        </p:cond>
+                      </p:stCondLst>
+                      <p:childTnLst>
+                        <p:par>
+                          <p:cTn id="4" fill="hold">
+                            <p:stCondLst>
+                              <p:cond delay="0"/>
+                            </p:stCondLst>
+                            <p:childTnLst>
+                              <p:par>
+                                <p:cTn id="5" presetID="1" presetClass="entr" presetSubtype="0" fill="hold" grpId="0" nodeType="withEffect">
+                                  <p:stCondLst>
+                                    <p:cond delay="0"/>
+                                  </p:stCondLst>
+                                  <p:childTnLst>
+                                    <p:set>
+                                      <p:cBhvr>
+                                        <p:cTn id="6" dur="1" fill="hold">
+                                          <p:stCondLst>
+                                            <p:cond delay="0"/>
+                                          </p:stCondLst>
+                                        </p:cTn>
+                                        <p:tgtEl>
+                                          <p:spTgt spid="12"/>
+                                        </p:tgtEl>
+                                        <p:attrNameLst>
+                                          <p:attrName>style.visibility</p:attrName>
+                                        </p:attrNameLst>
+                                      </p:cBhvr>
+                                      <p:to>
+                                        <p:strVal val="visible"/>
+                                      </p:to>
+                                    </p:set>
+                                  </p:childTnLst>
+                                  <p:subTnLst>
+                                    <p:set>
+                                      <p:cBhvr override="childStyle">
+                                        <p:cTn dur="1" fill="hold" display="0" masterRel="nextClick" afterEffect="1"/>
+                                        <p:tgtEl>
+                                          <p:spTgt spid="12"/>
                                         </p:tgtEl>
                                         <p:attrNameLst>
                                           <p:attrName>style.visibility</p:attrName>
@@ -14384,136 +16122,13 @@
       </p:par>
     </p:tnLst>
     <p:bldLst>
-      <p:bldP spid="9" grpId="0" animBg="1"/>
       <p:bldP spid="12" grpId="0" animBg="1"/>
-      <p:bldP spid="13" grpId="0" animBg="1"/>
     </p:bldLst>
   </p:timing>
 </p:sld>
 </file>
 
-<file path=ppt/slides/slide2.xml><?xml version="1.0" encoding="utf-8"?>
-<p:sld xmlns:a="http://schemas.openxmlformats.org/drawingml/2006/main" xmlns:r="http://schemas.openxmlformats.org/officeDocument/2006/relationships" xmlns:p="http://schemas.openxmlformats.org/presentationml/2006/main">
-  <p:cSld>
-    <p:spTree>
-      <p:nvGrpSpPr>
-        <p:cNvPr id="1" name=""/>
-        <p:cNvGrpSpPr/>
-        <p:nvPr/>
-      </p:nvGrpSpPr>
-      <p:grpSpPr>
-        <a:xfrm>
-          <a:off x="0" y="0"/>
-          <a:ext cx="0" cy="0"/>
-          <a:chOff x="0" y="0"/>
-          <a:chExt cx="0" cy="0"/>
-        </a:xfrm>
-      </p:grpSpPr>
-      <p:sp>
-        <p:nvSpPr>
-          <p:cNvPr id="2" name="Titel 1">
-            <a:extLst>
-              <a:ext uri="{FF2B5EF4-FFF2-40B4-BE49-F238E27FC236}">
-                <a16:creationId xmlns:a16="http://schemas.microsoft.com/office/drawing/2014/main" id="{574A5A47-A541-3E45-B751-829AFEFFBCB3}"/>
-              </a:ext>
-            </a:extLst>
-          </p:cNvPr>
-          <p:cNvSpPr>
-            <a:spLocks noGrp="1"/>
-          </p:cNvSpPr>
-          <p:nvPr>
-            <p:ph type="title"/>
-          </p:nvPr>
-        </p:nvSpPr>
-        <p:spPr/>
-        <p:txBody>
-          <a:bodyPr/>
-          <a:lstStyle/>
-          <a:p>
-            <a:r>
-              <a:rPr lang="de-DE" dirty="0"/>
-              <a:t>Agenda</a:t>
-            </a:r>
-          </a:p>
-        </p:txBody>
-      </p:sp>
-      <p:sp>
-        <p:nvSpPr>
-          <p:cNvPr id="3" name="Inhaltsplatzhalter 2">
-            <a:extLst>
-              <a:ext uri="{FF2B5EF4-FFF2-40B4-BE49-F238E27FC236}">
-                <a16:creationId xmlns:a16="http://schemas.microsoft.com/office/drawing/2014/main" id="{F9D2D66F-04F0-0640-BA49-C0428BDC8D3C}"/>
-              </a:ext>
-            </a:extLst>
-          </p:cNvPr>
-          <p:cNvSpPr>
-            <a:spLocks noGrp="1"/>
-          </p:cNvSpPr>
-          <p:nvPr>
-            <p:ph idx="1"/>
-          </p:nvPr>
-        </p:nvSpPr>
-        <p:spPr/>
-        <p:txBody>
-          <a:bodyPr/>
-          <a:lstStyle/>
-          <a:p>
-            <a:r>
-              <a:rPr lang="de-DE" dirty="0"/>
-              <a:t>WHY? Background / </a:t>
-            </a:r>
-            <a:r>
-              <a:rPr lang="de-DE" dirty="0" err="1"/>
-              <a:t>Context</a:t>
-            </a:r>
-            <a:endParaRPr lang="de-DE" dirty="0"/>
-          </a:p>
-          <a:p>
-            <a:r>
-              <a:rPr lang="de-DE" dirty="0"/>
-              <a:t>The Solution</a:t>
-            </a:r>
-          </a:p>
-          <a:p>
-            <a:r>
-              <a:rPr lang="de-DE" dirty="0"/>
-              <a:t>Demo</a:t>
-            </a:r>
-          </a:p>
-          <a:p>
-            <a:r>
-              <a:rPr lang="de-DE" dirty="0" err="1"/>
-              <a:t>Customization</a:t>
-            </a:r>
-            <a:endParaRPr lang="de-DE" dirty="0"/>
-          </a:p>
-          <a:p>
-            <a:r>
-              <a:rPr lang="de-DE" dirty="0"/>
-              <a:t>Download / </a:t>
-            </a:r>
-            <a:r>
-              <a:rPr lang="de-DE" dirty="0" err="1"/>
-              <a:t>GitHub</a:t>
-            </a:r>
-            <a:endParaRPr lang="de-DE" dirty="0"/>
-          </a:p>
-        </p:txBody>
-      </p:sp>
-    </p:spTree>
-    <p:extLst>
-      <p:ext uri="{BB962C8B-B14F-4D97-AF65-F5344CB8AC3E}">
-        <p14:creationId xmlns:p14="http://schemas.microsoft.com/office/powerpoint/2010/main" val="2055609958"/>
-      </p:ext>
-    </p:extLst>
-  </p:cSld>
-  <p:clrMapOvr>
-    <a:masterClrMapping/>
-  </p:clrMapOvr>
-</p:sld>
-</file>
-
-<file path=ppt/slides/slide20.xml><?xml version="1.0" encoding="utf-8"?>
+<file path=ppt/slides/slide22.xml><?xml version="1.0" encoding="utf-8"?>
 <p:sld xmlns:a="http://schemas.openxmlformats.org/drawingml/2006/main" xmlns:r="http://schemas.openxmlformats.org/officeDocument/2006/relationships" xmlns:p="http://schemas.openxmlformats.org/presentationml/2006/main">
   <p:cSld>
     <p:spTree>
@@ -15719,7 +17334,7 @@
 </p:sld>
 </file>
 
-<file path=ppt/slides/slide21.xml><?xml version="1.0" encoding="utf-8"?>
+<file path=ppt/slides/slide23.xml><?xml version="1.0" encoding="utf-8"?>
 <p:sld xmlns:a="http://schemas.openxmlformats.org/drawingml/2006/main" xmlns:r="http://schemas.openxmlformats.org/officeDocument/2006/relationships" xmlns:p="http://schemas.openxmlformats.org/presentationml/2006/main">
   <p:cSld>
     <p:spTree>
@@ -16013,8 +17628,8 @@
         </p:nvSpPr>
         <p:spPr bwMode="auto">
           <a:xfrm>
-            <a:off x="1404937" y="11613618"/>
-            <a:ext cx="4081464" cy="781050"/>
+            <a:off x="1404936" y="11613618"/>
+            <a:ext cx="5398389" cy="781050"/>
           </a:xfrm>
           <a:prstGeom prst="roundRect">
             <a:avLst/>
@@ -16066,8 +17681,8 @@
         </p:nvSpPr>
         <p:spPr bwMode="auto">
           <a:xfrm>
-            <a:off x="1404937" y="12577373"/>
-            <a:ext cx="4081464" cy="781050"/>
+            <a:off x="1404936" y="12577373"/>
+            <a:ext cx="5398389" cy="781050"/>
           </a:xfrm>
           <a:prstGeom prst="roundRect">
             <a:avLst/>
@@ -16290,8 +17905,8 @@
         </p:nvSpPr>
         <p:spPr bwMode="auto">
           <a:xfrm>
-            <a:off x="7927409" y="8428103"/>
-            <a:ext cx="6097427" cy="882151"/>
+            <a:off x="7810179" y="8428103"/>
+            <a:ext cx="7679952" cy="882151"/>
           </a:xfrm>
           <a:prstGeom prst="roundRect">
             <a:avLst/>
@@ -16343,8 +17958,8 @@
         </p:nvSpPr>
         <p:spPr bwMode="auto">
           <a:xfrm>
-            <a:off x="7958632" y="9280597"/>
-            <a:ext cx="6097427" cy="1650639"/>
+            <a:off x="7841402" y="9280597"/>
+            <a:ext cx="7679952" cy="1650639"/>
           </a:xfrm>
           <a:prstGeom prst="roundRect">
             <a:avLst/>
@@ -16951,7 +18566,7 @@
 </p:sld>
 </file>
 
-<file path=ppt/slides/slide22.xml><?xml version="1.0" encoding="utf-8"?>
+<file path=ppt/slides/slide24.xml><?xml version="1.0" encoding="utf-8"?>
 <p:sld xmlns:a="http://schemas.openxmlformats.org/drawingml/2006/main" xmlns:r="http://schemas.openxmlformats.org/officeDocument/2006/relationships" xmlns:p="http://schemas.openxmlformats.org/presentationml/2006/main">
   <p:cSld>
     <p:spTree>
@@ -17401,7 +19016,7 @@
 </p:sld>
 </file>
 
-<file path=ppt/slides/slide23.xml><?xml version="1.0" encoding="utf-8"?>
+<file path=ppt/slides/slide25.xml><?xml version="1.0" encoding="utf-8"?>
 <p:sld xmlns:a="http://schemas.openxmlformats.org/drawingml/2006/main" xmlns:r="http://schemas.openxmlformats.org/officeDocument/2006/relationships" xmlns:p="http://schemas.openxmlformats.org/presentationml/2006/main">
   <p:cSld>
     <p:spTree>
@@ -17770,7 +19385,7 @@
 </p:sld>
 </file>
 
-<file path=ppt/slides/slide24.xml><?xml version="1.0" encoding="utf-8"?>
+<file path=ppt/slides/slide26.xml><?xml version="1.0" encoding="utf-8"?>
 <p:sld xmlns:a="http://schemas.openxmlformats.org/drawingml/2006/main" xmlns:r="http://schemas.openxmlformats.org/officeDocument/2006/relationships" xmlns:p="http://schemas.openxmlformats.org/presentationml/2006/main">
   <p:cSld>
     <p:spTree>
@@ -18586,7 +20201,7 @@
 </p:sld>
 </file>
 
-<file path=ppt/slides/slide25.xml><?xml version="1.0" encoding="utf-8"?>
+<file path=ppt/slides/slide27.xml><?xml version="1.0" encoding="utf-8"?>
 <p:sld xmlns:a="http://schemas.openxmlformats.org/drawingml/2006/main" xmlns:r="http://schemas.openxmlformats.org/officeDocument/2006/relationships" xmlns:p="http://schemas.openxmlformats.org/presentationml/2006/main">
   <p:cSld>
     <p:spTree>
@@ -18674,7 +20289,7 @@
 </p:sld>
 </file>
 
-<file path=ppt/slides/slide26.xml><?xml version="1.0" encoding="utf-8"?>
+<file path=ppt/slides/slide28.xml><?xml version="1.0" encoding="utf-8"?>
 <p:sld xmlns:a="http://schemas.openxmlformats.org/drawingml/2006/main" xmlns:r="http://schemas.openxmlformats.org/officeDocument/2006/relationships" xmlns:p="http://schemas.openxmlformats.org/presentationml/2006/main">
   <p:cSld>
     <p:spTree>
@@ -18747,13 +20362,13 @@
   <p:clrMapOvr>
     <a:masterClrMapping/>
   </p:clrMapOvr>
-  <mc:AlternateContent xmlns:mc="http://schemas.openxmlformats.org/markup-compatibility/2006">
-    <mc:Choice xmlns:p14="http://schemas.microsoft.com/office/powerpoint/2010/main" Requires="p14">
+  <mc:AlternateContent xmlns:mc="http://schemas.openxmlformats.org/markup-compatibility/2006" xmlns:p14="http://schemas.microsoft.com/office/powerpoint/2010/main">
+    <mc:Choice Requires="p14">
       <p:transition spd="med" p14:dur="700">
         <p:fade/>
       </p:transition>
     </mc:Choice>
-    <mc:Fallback>
+    <mc:Fallback xmlns="">
       <p:transition spd="med">
         <p:fade/>
       </p:transition>
@@ -18762,7 +20377,7 @@
 </p:sld>
 </file>
 
-<file path=ppt/slides/slide27.xml><?xml version="1.0" encoding="utf-8"?>
+<file path=ppt/slides/slide29.xml><?xml version="1.0" encoding="utf-8"?>
 <p:sld xmlns:a="http://schemas.openxmlformats.org/drawingml/2006/main" xmlns:r="http://schemas.openxmlformats.org/officeDocument/2006/relationships" xmlns:p="http://schemas.openxmlformats.org/presentationml/2006/main">
   <p:cSld>
     <p:spTree>
@@ -19190,7 +20805,95 @@
 </p:sld>
 </file>
 
-<file path=ppt/slides/slide28.xml><?xml version="1.0" encoding="utf-8"?>
+<file path=ppt/slides/slide3.xml><?xml version="1.0" encoding="utf-8"?>
+<p:sld xmlns:a="http://schemas.openxmlformats.org/drawingml/2006/main" xmlns:r="http://schemas.openxmlformats.org/officeDocument/2006/relationships" xmlns:p="http://schemas.openxmlformats.org/presentationml/2006/main">
+  <p:cSld>
+    <p:spTree>
+      <p:nvGrpSpPr>
+        <p:cNvPr id="1" name=""/>
+        <p:cNvGrpSpPr/>
+        <p:nvPr/>
+      </p:nvGrpSpPr>
+      <p:grpSpPr>
+        <a:xfrm>
+          <a:off x="0" y="0"/>
+          <a:ext cx="0" cy="0"/>
+          <a:chOff x="0" y="0"/>
+          <a:chExt cx="0" cy="0"/>
+        </a:xfrm>
+      </p:grpSpPr>
+      <p:sp>
+        <p:nvSpPr>
+          <p:cNvPr id="5" name="TextBox 4"/>
+          <p:cNvSpPr txBox="1"/>
+          <p:nvPr/>
+        </p:nvSpPr>
+        <p:spPr>
+          <a:xfrm>
+            <a:off x="2170480" y="4994029"/>
+            <a:ext cx="19061757" cy="1823576"/>
+          </a:xfrm>
+          <a:prstGeom prst="rect">
+            <a:avLst/>
+          </a:prstGeom>
+          <a:noFill/>
+        </p:spPr>
+        <p:txBody>
+          <a:bodyPr wrap="none" rtlCol="0" anchor="t">
+            <a:spAutoFit/>
+          </a:bodyPr>
+          <a:lstStyle/>
+          <a:p>
+            <a:pPr algn="ctr">
+              <a:lnSpc>
+                <a:spcPct val="90000"/>
+              </a:lnSpc>
+            </a:pPr>
+            <a:r>
+              <a:rPr lang="en-US" sz="12500" b="1" dirty="0">
+                <a:solidFill>
+                  <a:schemeClr val="tx2"/>
+                </a:solidFill>
+                <a:cs typeface="Calibri"/>
+              </a:rPr>
+              <a:t>WHY? Background / Context</a:t>
+            </a:r>
+            <a:endParaRPr lang="en-US" sz="12500" b="1" dirty="0">
+              <a:solidFill>
+                <a:schemeClr val="tx2"/>
+              </a:solidFill>
+              <a:latin typeface="Calibri"/>
+              <a:cs typeface="Calibri"/>
+            </a:endParaRPr>
+          </a:p>
+        </p:txBody>
+      </p:sp>
+    </p:spTree>
+    <p:extLst>
+      <p:ext uri="{BB962C8B-B14F-4D97-AF65-F5344CB8AC3E}">
+        <p14:creationId xmlns:p14="http://schemas.microsoft.com/office/powerpoint/2010/main" val="4070645696"/>
+      </p:ext>
+    </p:extLst>
+  </p:cSld>
+  <p:clrMapOvr>
+    <a:masterClrMapping/>
+  </p:clrMapOvr>
+  <mc:AlternateContent xmlns:mc="http://schemas.openxmlformats.org/markup-compatibility/2006" xmlns:p14="http://schemas.microsoft.com/office/powerpoint/2010/main">
+    <mc:Choice Requires="p14">
+      <p:transition spd="med" p14:dur="700">
+        <p:fade/>
+      </p:transition>
+    </mc:Choice>
+    <mc:Fallback xmlns="">
+      <p:transition xmlns:p14="http://schemas.microsoft.com/office/powerpoint/2010/main" spd="med">
+        <p:fade/>
+      </p:transition>
+    </mc:Fallback>
+  </mc:AlternateContent>
+</p:sld>
+</file>
+
+<file path=ppt/slides/slide30.xml><?xml version="1.0" encoding="utf-8"?>
 <p:sld xmlns:a="http://schemas.openxmlformats.org/drawingml/2006/main" xmlns:r="http://schemas.openxmlformats.org/officeDocument/2006/relationships" xmlns:p="http://schemas.openxmlformats.org/presentationml/2006/main">
   <p:cSld>
     <p:spTree>
@@ -19278,7 +20981,7 @@
 </p:sld>
 </file>
 
-<file path=ppt/slides/slide29.xml><?xml version="1.0" encoding="utf-8"?>
+<file path=ppt/slides/slide31.xml><?xml version="1.0" encoding="utf-8"?>
 <p:sld xmlns:a="http://schemas.openxmlformats.org/drawingml/2006/main" xmlns:r="http://schemas.openxmlformats.org/officeDocument/2006/relationships" xmlns:p="http://schemas.openxmlformats.org/presentationml/2006/main">
   <p:cSld>
     <p:spTree>
@@ -19528,95 +21231,7 @@
 </p:sld>
 </file>
 
-<file path=ppt/slides/slide3.xml><?xml version="1.0" encoding="utf-8"?>
-<p:sld xmlns:a="http://schemas.openxmlformats.org/drawingml/2006/main" xmlns:r="http://schemas.openxmlformats.org/officeDocument/2006/relationships" xmlns:p="http://schemas.openxmlformats.org/presentationml/2006/main">
-  <p:cSld>
-    <p:spTree>
-      <p:nvGrpSpPr>
-        <p:cNvPr id="1" name=""/>
-        <p:cNvGrpSpPr/>
-        <p:nvPr/>
-      </p:nvGrpSpPr>
-      <p:grpSpPr>
-        <a:xfrm>
-          <a:off x="0" y="0"/>
-          <a:ext cx="0" cy="0"/>
-          <a:chOff x="0" y="0"/>
-          <a:chExt cx="0" cy="0"/>
-        </a:xfrm>
-      </p:grpSpPr>
-      <p:sp>
-        <p:nvSpPr>
-          <p:cNvPr id="5" name="TextBox 4"/>
-          <p:cNvSpPr txBox="1"/>
-          <p:nvPr/>
-        </p:nvSpPr>
-        <p:spPr>
-          <a:xfrm>
-            <a:off x="2170480" y="4994029"/>
-            <a:ext cx="19061757" cy="1823576"/>
-          </a:xfrm>
-          <a:prstGeom prst="rect">
-            <a:avLst/>
-          </a:prstGeom>
-          <a:noFill/>
-        </p:spPr>
-        <p:txBody>
-          <a:bodyPr wrap="none" rtlCol="0" anchor="t">
-            <a:spAutoFit/>
-          </a:bodyPr>
-          <a:lstStyle/>
-          <a:p>
-            <a:pPr algn="ctr">
-              <a:lnSpc>
-                <a:spcPct val="90000"/>
-              </a:lnSpc>
-            </a:pPr>
-            <a:r>
-              <a:rPr lang="en-US" sz="12500" b="1" dirty="0">
-                <a:solidFill>
-                  <a:schemeClr val="tx2"/>
-                </a:solidFill>
-                <a:cs typeface="Calibri"/>
-              </a:rPr>
-              <a:t>WHY? Background / Context</a:t>
-            </a:r>
-            <a:endParaRPr lang="en-US" sz="12500" b="1" dirty="0">
-              <a:solidFill>
-                <a:schemeClr val="tx2"/>
-              </a:solidFill>
-              <a:latin typeface="Calibri"/>
-              <a:cs typeface="Calibri"/>
-            </a:endParaRPr>
-          </a:p>
-        </p:txBody>
-      </p:sp>
-    </p:spTree>
-    <p:extLst>
-      <p:ext uri="{BB962C8B-B14F-4D97-AF65-F5344CB8AC3E}">
-        <p14:creationId xmlns:p14="http://schemas.microsoft.com/office/powerpoint/2010/main" val="4070645696"/>
-      </p:ext>
-    </p:extLst>
-  </p:cSld>
-  <p:clrMapOvr>
-    <a:masterClrMapping/>
-  </p:clrMapOvr>
-  <mc:AlternateContent xmlns:mc="http://schemas.openxmlformats.org/markup-compatibility/2006" xmlns:p14="http://schemas.microsoft.com/office/powerpoint/2010/main">
-    <mc:Choice Requires="p14">
-      <p:transition spd="med" p14:dur="700">
-        <p:fade/>
-      </p:transition>
-    </mc:Choice>
-    <mc:Fallback xmlns="">
-      <p:transition xmlns:p14="http://schemas.microsoft.com/office/powerpoint/2010/main" spd="med">
-        <p:fade/>
-      </p:transition>
-    </mc:Fallback>
-  </mc:AlternateContent>
-</p:sld>
-</file>
-
-<file path=ppt/slides/slide30.xml><?xml version="1.0" encoding="utf-8"?>
+<file path=ppt/slides/slide32.xml><?xml version="1.0" encoding="utf-8"?>
 <p:sld xmlns:a="http://schemas.openxmlformats.org/drawingml/2006/main" xmlns:r="http://schemas.openxmlformats.org/officeDocument/2006/relationships" xmlns:p="http://schemas.openxmlformats.org/presentationml/2006/main">
   <p:cSld>
     <p:spTree>
@@ -21265,17 +22880,17 @@
         <p:spPr/>
         <p:txBody>
           <a:bodyPr>
-            <a:normAutofit fontScale="85000" lnSpcReduction="20000"/>
+            <a:normAutofit lnSpcReduction="10000"/>
           </a:bodyPr>
           <a:lstStyle/>
           <a:p>
             <a:r>
               <a:rPr lang="de-DE" dirty="0"/>
-              <a:t>20+ </a:t>
-            </a:r>
-            <a:r>
-              <a:rPr lang="de-DE" dirty="0" err="1"/>
-              <a:t>years</a:t>
+              <a:t>These </a:t>
+            </a:r>
+            <a:r>
+              <a:rPr lang="de-DE" dirty="0" err="1"/>
+              <a:t>tools</a:t>
             </a:r>
             <a:r>
               <a:rPr lang="de-DE" dirty="0"/>
@@ -21283,6 +22898,22 @@
             </a:r>
             <a:r>
               <a:rPr lang="de-DE" dirty="0" err="1"/>
+              <a:t>are</a:t>
+            </a:r>
+            <a:r>
+              <a:rPr lang="de-DE" dirty="0"/>
+              <a:t> </a:t>
+            </a:r>
+            <a:r>
+              <a:rPr lang="de-DE" dirty="0" err="1"/>
+              <a:t>part</a:t>
+            </a:r>
+            <a:r>
+              <a:rPr lang="de-DE" dirty="0"/>
+              <a:t> </a:t>
+            </a:r>
+            <a:r>
+              <a:rPr lang="de-DE" dirty="0" err="1"/>
               <a:t>of</a:t>
             </a:r>
             <a:r>
@@ -21291,7 +22922,7 @@
             </a:r>
             <a:r>
               <a:rPr lang="de-DE" dirty="0" err="1"/>
-              <a:t>custom</a:t>
+              <a:t>my</a:t>
             </a:r>
             <a:r>
               <a:rPr lang="de-DE" dirty="0"/>
@@ -21299,7 +22930,7 @@
             </a:r>
             <a:r>
               <a:rPr lang="de-DE" dirty="0" err="1"/>
-              <a:t>development</a:t>
+              <a:t>effort</a:t>
             </a:r>
             <a:r>
               <a:rPr lang="de-DE" dirty="0"/>
@@ -21307,15 +22938,7 @@
             </a:r>
             <a:r>
               <a:rPr lang="de-DE" dirty="0" err="1"/>
-              <a:t>for</a:t>
-            </a:r>
-            <a:r>
-              <a:rPr lang="de-DE" dirty="0"/>
-              <a:t> Oracle: PL/SQL, SQL, Forms, Reports, APEX, </a:t>
-            </a:r>
-            <a:r>
-              <a:rPr lang="de-DE" dirty="0" err="1"/>
-              <a:t>have</a:t>
+              <a:t>to</a:t>
             </a:r>
             <a:r>
               <a:rPr lang="de-DE" dirty="0"/>
@@ -21323,7 +22946,7 @@
             </a:r>
             <a:r>
               <a:rPr lang="de-DE" dirty="0" err="1"/>
-              <a:t>seen</a:t>
+              <a:t>remove</a:t>
             </a:r>
             <a:r>
               <a:rPr lang="de-DE" dirty="0"/>
@@ -21331,22 +22954,206 @@
             </a:r>
             <a:r>
               <a:rPr lang="de-DE" dirty="0" err="1"/>
-              <a:t>very</a:t>
-            </a:r>
-            <a:r>
-              <a:rPr lang="de-DE" dirty="0"/>
-              <a:t> different </a:t>
-            </a:r>
-            <a:r>
-              <a:rPr lang="de-DE" dirty="0" err="1"/>
-              <a:t>approaches</a:t>
+              <a:t>myself</a:t>
+            </a:r>
+            <a:r>
+              <a:rPr lang="de-DE" dirty="0"/>
+              <a:t> </a:t>
+            </a:r>
+            <a:r>
+              <a:rPr lang="de-DE" dirty="0" err="1"/>
+              <a:t>from</a:t>
+            </a:r>
+            <a:r>
+              <a:rPr lang="de-DE" dirty="0"/>
+              <a:t> </a:t>
+            </a:r>
+            <a:r>
+              <a:rPr lang="de-DE" dirty="0" err="1"/>
+              <a:t>active</a:t>
+            </a:r>
+            <a:r>
+              <a:rPr lang="de-DE" dirty="0"/>
+              <a:t> </a:t>
+            </a:r>
+            <a:r>
+              <a:rPr lang="de-DE" dirty="0" err="1"/>
+              <a:t>project</a:t>
+            </a:r>
+            <a:r>
+              <a:rPr lang="de-DE" dirty="0"/>
+              <a:t> </a:t>
+            </a:r>
+            <a:r>
+              <a:rPr lang="de-DE" dirty="0" err="1"/>
+              <a:t>work</a:t>
+            </a:r>
+            <a:r>
+              <a:rPr lang="de-DE" dirty="0"/>
+              <a:t> </a:t>
+            </a:r>
+            <a:r>
+              <a:rPr lang="de-DE" dirty="0" err="1"/>
+              <a:t>and</a:t>
+            </a:r>
+            <a:r>
+              <a:rPr lang="de-DE" dirty="0"/>
+              <a:t> </a:t>
+            </a:r>
+            <a:r>
+              <a:rPr lang="de-DE" dirty="0" err="1"/>
+              <a:t>collaborate</a:t>
+            </a:r>
+            <a:r>
+              <a:rPr lang="de-DE" dirty="0"/>
+              <a:t> </a:t>
+            </a:r>
+            <a:r>
+              <a:rPr lang="de-DE" dirty="0" err="1"/>
+              <a:t>with</a:t>
+            </a:r>
+            <a:r>
+              <a:rPr lang="de-DE" dirty="0"/>
+              <a:t> </a:t>
+            </a:r>
+            <a:r>
+              <a:rPr lang="de-DE" dirty="0" err="1"/>
+              <a:t>partners</a:t>
+            </a:r>
+            <a:r>
+              <a:rPr lang="de-DE" dirty="0"/>
+              <a:t> </a:t>
+            </a:r>
+            <a:r>
+              <a:rPr lang="de-DE" dirty="0" err="1"/>
+              <a:t>and</a:t>
+            </a:r>
+            <a:r>
+              <a:rPr lang="de-DE" dirty="0"/>
+              <a:t> </a:t>
+            </a:r>
+            <a:r>
+              <a:rPr lang="de-DE" dirty="0" err="1"/>
+              <a:t>their</a:t>
+            </a:r>
+            <a:r>
+              <a:rPr lang="de-DE" dirty="0"/>
+              <a:t> </a:t>
+            </a:r>
+            <a:r>
+              <a:rPr lang="de-DE" dirty="0" err="1"/>
+              <a:t>teams</a:t>
+            </a:r>
+            <a:r>
+              <a:rPr lang="de-DE" dirty="0"/>
+              <a:t>.</a:t>
+            </a:r>
+          </a:p>
+          <a:p>
+            <a:pPr lvl="1"/>
+            <a:r>
+              <a:rPr lang="de-DE" dirty="0" err="1"/>
+              <a:t>Standardized</a:t>
+            </a:r>
+            <a:r>
+              <a:rPr lang="de-DE" dirty="0"/>
+              <a:t> </a:t>
+            </a:r>
+            <a:r>
+              <a:rPr lang="de-DE" dirty="0" err="1"/>
+              <a:t>project</a:t>
+            </a:r>
+            <a:r>
+              <a:rPr lang="de-DE" dirty="0"/>
+              <a:t> </a:t>
+            </a:r>
+            <a:r>
+              <a:rPr lang="de-DE" dirty="0" err="1"/>
+              <a:t>structure</a:t>
+            </a:r>
+            <a:r>
+              <a:rPr lang="de-DE" dirty="0"/>
+              <a:t>, </a:t>
+            </a:r>
+            <a:r>
+              <a:rPr lang="de-DE" dirty="0" err="1"/>
+              <a:t>documentation</a:t>
+            </a:r>
+            <a:r>
+              <a:rPr lang="de-DE" dirty="0"/>
+              <a:t>, </a:t>
+            </a:r>
+            <a:r>
+              <a:rPr lang="de-DE" dirty="0" err="1"/>
+              <a:t>methods</a:t>
+            </a:r>
+            <a:r>
+              <a:rPr lang="de-DE" dirty="0"/>
+              <a:t> </a:t>
+            </a:r>
+            <a:r>
+              <a:rPr lang="de-DE" dirty="0" err="1"/>
+              <a:t>and</a:t>
+            </a:r>
+            <a:r>
+              <a:rPr lang="de-DE" dirty="0"/>
+              <a:t> </a:t>
+            </a:r>
+            <a:r>
+              <a:rPr lang="de-DE" dirty="0" err="1"/>
+              <a:t>tools</a:t>
+            </a:r>
+            <a:r>
+              <a:rPr lang="de-DE" dirty="0"/>
+              <a:t> </a:t>
+            </a:r>
+            <a:r>
+              <a:rPr lang="de-DE" dirty="0" err="1"/>
+              <a:t>lead</a:t>
+            </a:r>
+            <a:r>
+              <a:rPr lang="de-DE" dirty="0"/>
+              <a:t> </a:t>
+            </a:r>
+            <a:r>
+              <a:rPr lang="de-DE" dirty="0" err="1"/>
+              <a:t>to</a:t>
+            </a:r>
+            <a:r>
+              <a:rPr lang="de-DE" dirty="0"/>
+              <a:t> </a:t>
+            </a:r>
+            <a:r>
+              <a:rPr lang="de-DE" dirty="0" err="1"/>
+              <a:t>transparency</a:t>
+            </a:r>
+            <a:r>
+              <a:rPr lang="de-DE" dirty="0"/>
+              <a:t> </a:t>
+            </a:r>
+            <a:r>
+              <a:rPr lang="de-DE" dirty="0" err="1"/>
+              <a:t>and</a:t>
+            </a:r>
+            <a:r>
+              <a:rPr lang="de-DE" dirty="0"/>
+              <a:t> </a:t>
+            </a:r>
+            <a:r>
+              <a:rPr lang="de-DE" dirty="0" err="1"/>
+              <a:t>productivity</a:t>
             </a:r>
             <a:endParaRPr lang="de-DE" dirty="0"/>
           </a:p>
           <a:p>
-            <a:r>
-              <a:rPr lang="de-DE" dirty="0" err="1"/>
-              <a:t>Typical</a:t>
+            <a:pPr lvl="1"/>
+            <a:r>
+              <a:rPr lang="de-DE" dirty="0"/>
+              <a:t>Easy </a:t>
+            </a:r>
+            <a:r>
+              <a:rPr lang="de-DE" dirty="0" err="1"/>
+              <a:t>to</a:t>
             </a:r>
             <a:r>
               <a:rPr lang="de-DE" dirty="0"/>
@@ -21354,6 +23161,38 @@
             </a:r>
             <a:r>
               <a:rPr lang="de-DE" dirty="0" err="1"/>
+              <a:t>move</a:t>
+            </a:r>
+            <a:r>
+              <a:rPr lang="de-DE" dirty="0"/>
+              <a:t> </a:t>
+            </a:r>
+            <a:r>
+              <a:rPr lang="de-DE" dirty="0" err="1"/>
+              <a:t>people</a:t>
+            </a:r>
+            <a:r>
+              <a:rPr lang="de-DE" dirty="0"/>
+              <a:t> </a:t>
+            </a:r>
+            <a:r>
+              <a:rPr lang="de-DE" dirty="0" err="1"/>
+              <a:t>from</a:t>
+            </a:r>
+            <a:r>
+              <a:rPr lang="de-DE" dirty="0"/>
+              <a:t> </a:t>
+            </a:r>
+            <a:r>
+              <a:rPr lang="de-DE" dirty="0" err="1"/>
+              <a:t>one</a:t>
+            </a:r>
+            <a:r>
+              <a:rPr lang="de-DE" dirty="0"/>
+              <a:t> </a:t>
+            </a:r>
+            <a:r>
+              <a:rPr lang="de-DE" dirty="0" err="1"/>
               <a:t>project</a:t>
             </a:r>
             <a:r>
@@ -21362,52 +23201,105 @@
             </a:r>
             <a:r>
               <a:rPr lang="de-DE" dirty="0" err="1"/>
-              <a:t>has</a:t>
-            </a:r>
-            <a:r>
-              <a:rPr lang="de-DE" dirty="0"/>
-              <a:t> multiple </a:t>
-            </a:r>
-            <a:r>
-              <a:rPr lang="de-DE" dirty="0" err="1"/>
-              <a:t>environments</a:t>
-            </a:r>
-            <a:r>
-              <a:rPr lang="de-DE" dirty="0"/>
-              <a:t>, e.g.:</a:t>
-            </a:r>
+              <a:t>to</a:t>
+            </a:r>
+            <a:r>
+              <a:rPr lang="de-DE" dirty="0"/>
+              <a:t> </a:t>
+            </a:r>
+            <a:r>
+              <a:rPr lang="de-DE" dirty="0" err="1"/>
+              <a:t>another</a:t>
+            </a:r>
+            <a:endParaRPr lang="de-DE" dirty="0"/>
+          </a:p>
+          <a:p>
+            <a:r>
+              <a:rPr lang="de-DE" dirty="0"/>
+              <a:t>Also, I like </a:t>
+            </a:r>
+            <a:r>
+              <a:rPr lang="de-DE" dirty="0" err="1"/>
+              <a:t>clarity</a:t>
+            </a:r>
+            <a:r>
+              <a:rPr lang="de-DE" dirty="0"/>
+              <a:t> </a:t>
+            </a:r>
+            <a:r>
+              <a:rPr lang="de-DE" dirty="0" err="1"/>
+              <a:t>and</a:t>
+            </a:r>
+            <a:r>
+              <a:rPr lang="de-DE" dirty="0"/>
+              <a:t> </a:t>
+            </a:r>
+            <a:r>
+              <a:rPr lang="de-DE" dirty="0" err="1"/>
+              <a:t>structure</a:t>
+            </a:r>
+            <a:endParaRPr lang="de-DE" dirty="0"/>
           </a:p>
           <a:p>
             <a:pPr lvl="1"/>
             <a:r>
-              <a:rPr lang="de-DE" dirty="0"/>
-              <a:t>Development</a:t>
-            </a:r>
-          </a:p>
-          <a:p>
-            <a:pPr lvl="1"/>
-            <a:r>
-              <a:rPr lang="de-DE" dirty="0"/>
-              <a:t>Test</a:t>
-            </a:r>
-          </a:p>
-          <a:p>
-            <a:pPr lvl="1"/>
-            <a:r>
-              <a:rPr lang="de-DE" dirty="0" err="1"/>
-              <a:t>Production</a:t>
+              <a:rPr lang="de-DE" dirty="0" err="1"/>
+              <a:t>Took</a:t>
+            </a:r>
+            <a:r>
+              <a:rPr lang="de-DE" dirty="0"/>
+              <a:t> </a:t>
+            </a:r>
+            <a:r>
+              <a:rPr lang="de-DE" dirty="0" err="1"/>
+              <a:t>the</a:t>
+            </a:r>
+            <a:r>
+              <a:rPr lang="de-DE" dirty="0"/>
+              <a:t> time </a:t>
+            </a:r>
+            <a:r>
+              <a:rPr lang="de-DE" dirty="0" err="1"/>
+              <a:t>to</a:t>
+            </a:r>
+            <a:r>
+              <a:rPr lang="de-DE" dirty="0"/>
+              <a:t> </a:t>
+            </a:r>
+            <a:r>
+              <a:rPr lang="de-DE" dirty="0" err="1"/>
+              <a:t>automate</a:t>
+            </a:r>
+            <a:r>
+              <a:rPr lang="de-DE" dirty="0"/>
+              <a:t> </a:t>
+            </a:r>
+            <a:r>
+              <a:rPr lang="de-DE" dirty="0" err="1"/>
+              <a:t>and</a:t>
+            </a:r>
+            <a:r>
+              <a:rPr lang="de-DE" dirty="0"/>
+              <a:t> </a:t>
+            </a:r>
+            <a:r>
+              <a:rPr lang="de-DE" dirty="0" err="1"/>
+              <a:t>streamline</a:t>
+            </a:r>
+            <a:r>
+              <a:rPr lang="de-DE" dirty="0"/>
+              <a:t> </a:t>
+            </a:r>
+            <a:r>
+              <a:rPr lang="de-DE" dirty="0" err="1"/>
+              <a:t>things</a:t>
             </a:r>
             <a:endParaRPr lang="de-DE" dirty="0"/>
           </a:p>
           <a:p>
-            <a:pPr lvl="1"/>
-            <a:r>
-              <a:rPr lang="de-DE" dirty="0"/>
-              <a:t>… </a:t>
-            </a:r>
-            <a:r>
-              <a:rPr lang="de-DE" dirty="0" err="1"/>
-              <a:t>or</a:t>
+            <a:r>
+              <a:rPr lang="de-DE" dirty="0" err="1"/>
+              <a:t>It</a:t>
             </a:r>
             <a:r>
               <a:rPr lang="de-DE" dirty="0"/>
@@ -21415,228 +23307,17 @@
             </a:r>
             <a:r>
               <a:rPr lang="de-DE" dirty="0" err="1"/>
-              <a:t>even</a:t>
-            </a:r>
-            <a:r>
-              <a:rPr lang="de-DE" dirty="0"/>
-              <a:t> </a:t>
-            </a:r>
-            <a:r>
-              <a:rPr lang="de-DE" dirty="0" err="1"/>
-              <a:t>more</a:t>
-            </a:r>
-            <a:endParaRPr lang="de-DE" dirty="0"/>
-          </a:p>
-          <a:p>
-            <a:r>
-              <a:rPr lang="de-DE" dirty="0"/>
-              <a:t>Manage </a:t>
-            </a:r>
-            <a:r>
-              <a:rPr lang="de-DE" dirty="0" err="1"/>
-              <a:t>sources</a:t>
-            </a:r>
-            <a:r>
-              <a:rPr lang="de-DE" dirty="0"/>
-              <a:t> </a:t>
-            </a:r>
-            <a:r>
-              <a:rPr lang="de-DE" dirty="0" err="1"/>
-              <a:t>differently</a:t>
-            </a:r>
-            <a:endParaRPr lang="de-DE" dirty="0"/>
-          </a:p>
-          <a:p>
-            <a:pPr lvl="1"/>
-            <a:r>
-              <a:rPr lang="de-DE" dirty="0"/>
-              <a:t>SQL </a:t>
-            </a:r>
-            <a:r>
-              <a:rPr lang="de-DE" dirty="0" err="1"/>
-              <a:t>and</a:t>
-            </a:r>
-            <a:r>
-              <a:rPr lang="de-DE" dirty="0"/>
-              <a:t> PL/SQL </a:t>
-            </a:r>
-            <a:r>
-              <a:rPr lang="de-DE" dirty="0" err="1"/>
-              <a:t>objects</a:t>
-            </a:r>
-            <a:r>
-              <a:rPr lang="de-DE" dirty="0"/>
-              <a:t> (1:1 in </a:t>
-            </a:r>
-            <a:r>
-              <a:rPr lang="de-DE" dirty="0" err="1"/>
-              <a:t>database</a:t>
-            </a:r>
-            <a:r>
-              <a:rPr lang="de-DE" dirty="0"/>
-              <a:t>)</a:t>
-            </a:r>
-          </a:p>
-          <a:p>
-            <a:pPr lvl="1"/>
-            <a:r>
-              <a:rPr lang="de-DE" dirty="0"/>
-              <a:t>„Manual“ </a:t>
-            </a:r>
-            <a:r>
-              <a:rPr lang="de-DE" dirty="0" err="1"/>
-              <a:t>scripts</a:t>
-            </a:r>
-            <a:r>
-              <a:rPr lang="de-DE" dirty="0"/>
-              <a:t> (e.g. alter </a:t>
-            </a:r>
-            <a:r>
-              <a:rPr lang="de-DE" dirty="0" err="1"/>
-              <a:t>table</a:t>
-            </a:r>
-            <a:r>
-              <a:rPr lang="de-DE" dirty="0"/>
-              <a:t> </a:t>
-            </a:r>
-            <a:r>
-              <a:rPr lang="de-DE" dirty="0" err="1"/>
-              <a:t>add</a:t>
-            </a:r>
-            <a:r>
-              <a:rPr lang="de-DE" dirty="0"/>
-              <a:t> </a:t>
-            </a:r>
-            <a:r>
-              <a:rPr lang="de-DE" dirty="0" err="1"/>
-              <a:t>column</a:t>
-            </a:r>
-            <a:r>
-              <a:rPr lang="de-DE" dirty="0"/>
-              <a:t> </a:t>
-            </a:r>
-            <a:r>
-              <a:rPr lang="de-DE" dirty="0" err="1"/>
-              <a:t>or</a:t>
-            </a:r>
-            <a:r>
-              <a:rPr lang="de-DE" dirty="0"/>
-              <a:t> </a:t>
-            </a:r>
-            <a:r>
-              <a:rPr lang="de-DE" dirty="0" err="1"/>
-              <a:t>generate</a:t>
-            </a:r>
-            <a:r>
-              <a:rPr lang="de-DE" dirty="0"/>
-              <a:t> </a:t>
-            </a:r>
-            <a:r>
-              <a:rPr lang="de-DE" dirty="0" err="1"/>
-              <a:t>synonyms</a:t>
-            </a:r>
-            <a:r>
-              <a:rPr lang="de-DE" dirty="0"/>
-              <a:t>, </a:t>
-            </a:r>
-            <a:r>
-              <a:rPr lang="de-DE" dirty="0" err="1"/>
-              <a:t>grants</a:t>
-            </a:r>
-            <a:r>
-              <a:rPr lang="de-DE" dirty="0"/>
-              <a:t> </a:t>
-            </a:r>
-            <a:r>
-              <a:rPr lang="de-DE" dirty="0" err="1"/>
-              <a:t>and</a:t>
-            </a:r>
-            <a:r>
-              <a:rPr lang="de-DE" dirty="0"/>
-              <a:t> </a:t>
-            </a:r>
-            <a:r>
-              <a:rPr lang="de-DE" dirty="0" err="1"/>
-              <a:t>views</a:t>
-            </a:r>
-            <a:r>
-              <a:rPr lang="de-DE" dirty="0"/>
-              <a:t> on </a:t>
-            </a:r>
-            <a:r>
-              <a:rPr lang="de-DE" dirty="0" err="1"/>
-              <a:t>the</a:t>
-            </a:r>
-            <a:r>
-              <a:rPr lang="de-DE" dirty="0"/>
-              <a:t> </a:t>
-            </a:r>
-            <a:r>
-              <a:rPr lang="de-DE" dirty="0" err="1"/>
-              <a:t>fly</a:t>
-            </a:r>
-            <a:r>
-              <a:rPr lang="de-DE" dirty="0"/>
-              <a:t>)</a:t>
-            </a:r>
-          </a:p>
-          <a:p>
-            <a:pPr lvl="1"/>
-            <a:r>
-              <a:rPr lang="de-DE" dirty="0"/>
-              <a:t>Other </a:t>
-            </a:r>
-            <a:r>
-              <a:rPr lang="de-DE" dirty="0" err="1"/>
-              <a:t>sources</a:t>
-            </a:r>
-            <a:r>
-              <a:rPr lang="de-DE" dirty="0"/>
-              <a:t> (Java, </a:t>
-            </a:r>
-            <a:r>
-              <a:rPr lang="de-DE" dirty="0" err="1"/>
-              <a:t>shell</a:t>
-            </a:r>
-            <a:r>
-              <a:rPr lang="de-DE" dirty="0"/>
-              <a:t> </a:t>
-            </a:r>
-            <a:r>
-              <a:rPr lang="de-DE" dirty="0" err="1"/>
-              <a:t>scripts</a:t>
-            </a:r>
-            <a:r>
-              <a:rPr lang="de-DE" dirty="0"/>
-              <a:t>, </a:t>
-            </a:r>
-            <a:r>
-              <a:rPr lang="de-DE" dirty="0" err="1"/>
-              <a:t>node.js</a:t>
-            </a:r>
-            <a:r>
-              <a:rPr lang="de-DE" dirty="0"/>
-              <a:t>, …) </a:t>
-            </a:r>
-            <a:r>
-              <a:rPr lang="de-DE" dirty="0" err="1"/>
-              <a:t>possible</a:t>
-            </a:r>
-            <a:r>
-              <a:rPr lang="de-DE" dirty="0"/>
-              <a:t> but out </a:t>
-            </a:r>
-            <a:r>
-              <a:rPr lang="de-DE" dirty="0" err="1"/>
-              <a:t>of</a:t>
-            </a:r>
-            <a:r>
-              <a:rPr lang="de-DE" dirty="0"/>
-              <a:t> </a:t>
-            </a:r>
-            <a:r>
-              <a:rPr lang="de-DE" dirty="0" err="1"/>
-              <a:t>scope</a:t>
+              <a:t>is</a:t>
+            </a:r>
+            <a:r>
+              <a:rPr lang="de-DE" dirty="0"/>
+              <a:t> FUN </a:t>
+            </a:r>
+            <a:r>
+              <a:rPr lang="de-DE" dirty="0">
+                <a:sym typeface="Wingdings" pitchFamily="2" charset="2"/>
+              </a:rPr>
+              <a:t></a:t>
             </a:r>
             <a:endParaRPr lang="de-DE" dirty="0"/>
           </a:p>
@@ -21652,6 +23333,147 @@
   <p:clrMapOvr>
     <a:masterClrMapping/>
   </p:clrMapOvr>
+  <p:timing>
+    <p:tnLst>
+      <p:par>
+        <p:cTn id="1" dur="indefinite" restart="never" nodeType="tmRoot">
+          <p:childTnLst>
+            <p:seq concurrent="1" nextAc="seek">
+              <p:cTn id="2" dur="indefinite" nodeType="mainSeq">
+                <p:childTnLst>
+                  <p:par>
+                    <p:cTn id="3" fill="hold">
+                      <p:stCondLst>
+                        <p:cond delay="indefinite"/>
+                      </p:stCondLst>
+                      <p:childTnLst>
+                        <p:par>
+                          <p:cTn id="4" fill="hold">
+                            <p:stCondLst>
+                              <p:cond delay="0"/>
+                            </p:stCondLst>
+                            <p:childTnLst>
+                              <p:par>
+                                <p:cTn id="5" presetID="1" presetClass="entr" presetSubtype="0" fill="hold" nodeType="clickEffect">
+                                  <p:stCondLst>
+                                    <p:cond delay="0"/>
+                                  </p:stCondLst>
+                                  <p:childTnLst>
+                                    <p:set>
+                                      <p:cBhvr>
+                                        <p:cTn id="6" dur="1" fill="hold">
+                                          <p:stCondLst>
+                                            <p:cond delay="0"/>
+                                          </p:stCondLst>
+                                        </p:cTn>
+                                        <p:tgtEl>
+                                          <p:spTgt spid="3">
+                                            <p:txEl>
+                                              <p:pRg st="3" end="3"/>
+                                            </p:txEl>
+                                          </p:spTgt>
+                                        </p:tgtEl>
+                                        <p:attrNameLst>
+                                          <p:attrName>style.visibility</p:attrName>
+                                        </p:attrNameLst>
+                                      </p:cBhvr>
+                                      <p:to>
+                                        <p:strVal val="visible"/>
+                                      </p:to>
+                                    </p:set>
+                                  </p:childTnLst>
+                                </p:cTn>
+                              </p:par>
+                              <p:par>
+                                <p:cTn id="7" presetID="1" presetClass="entr" presetSubtype="0" fill="hold" nodeType="withEffect">
+                                  <p:stCondLst>
+                                    <p:cond delay="0"/>
+                                  </p:stCondLst>
+                                  <p:childTnLst>
+                                    <p:set>
+                                      <p:cBhvr>
+                                        <p:cTn id="8" dur="1" fill="hold">
+                                          <p:stCondLst>
+                                            <p:cond delay="0"/>
+                                          </p:stCondLst>
+                                        </p:cTn>
+                                        <p:tgtEl>
+                                          <p:spTgt spid="3">
+                                            <p:txEl>
+                                              <p:pRg st="4" end="4"/>
+                                            </p:txEl>
+                                          </p:spTgt>
+                                        </p:tgtEl>
+                                        <p:attrNameLst>
+                                          <p:attrName>style.visibility</p:attrName>
+                                        </p:attrNameLst>
+                                      </p:cBhvr>
+                                      <p:to>
+                                        <p:strVal val="visible"/>
+                                      </p:to>
+                                    </p:set>
+                                  </p:childTnLst>
+                                </p:cTn>
+                              </p:par>
+                              <p:par>
+                                <p:cTn id="9" presetID="1" presetClass="entr" presetSubtype="0" fill="hold" nodeType="withEffect">
+                                  <p:stCondLst>
+                                    <p:cond delay="0"/>
+                                  </p:stCondLst>
+                                  <p:childTnLst>
+                                    <p:set>
+                                      <p:cBhvr>
+                                        <p:cTn id="10" dur="1" fill="hold">
+                                          <p:stCondLst>
+                                            <p:cond delay="0"/>
+                                          </p:stCondLst>
+                                        </p:cTn>
+                                        <p:tgtEl>
+                                          <p:spTgt spid="3">
+                                            <p:txEl>
+                                              <p:pRg st="5" end="5"/>
+                                            </p:txEl>
+                                          </p:spTgt>
+                                        </p:tgtEl>
+                                        <p:attrNameLst>
+                                          <p:attrName>style.visibility</p:attrName>
+                                        </p:attrNameLst>
+                                      </p:cBhvr>
+                                      <p:to>
+                                        <p:strVal val="visible"/>
+                                      </p:to>
+                                    </p:set>
+                                  </p:childTnLst>
+                                </p:cTn>
+                              </p:par>
+                            </p:childTnLst>
+                          </p:cTn>
+                        </p:par>
+                      </p:childTnLst>
+                    </p:cTn>
+                  </p:par>
+                </p:childTnLst>
+              </p:cTn>
+              <p:prevCondLst>
+                <p:cond evt="onPrev" delay="0">
+                  <p:tgtEl>
+                    <p:sldTgt/>
+                  </p:tgtEl>
+                </p:cond>
+              </p:prevCondLst>
+              <p:nextCondLst>
+                <p:cond evt="onNext" delay="0">
+                  <p:tgtEl>
+                    <p:sldTgt/>
+                  </p:tgtEl>
+                </p:cond>
+              </p:nextCondLst>
+            </p:seq>
+          </p:childTnLst>
+        </p:cTn>
+      </p:par>
+    </p:tnLst>
+  </p:timing>
 </p:sld>
 </file>
 
@@ -21726,6 +23548,407 @@
         <p:spPr/>
         <p:txBody>
           <a:bodyPr>
+            <a:normAutofit fontScale="92500" lnSpcReduction="20000"/>
+          </a:bodyPr>
+          <a:lstStyle/>
+          <a:p>
+            <a:r>
+              <a:rPr lang="de-DE" dirty="0"/>
+              <a:t>20+ </a:t>
+            </a:r>
+            <a:r>
+              <a:rPr lang="de-DE" dirty="0" err="1"/>
+              <a:t>years</a:t>
+            </a:r>
+            <a:r>
+              <a:rPr lang="de-DE" dirty="0"/>
+              <a:t> </a:t>
+            </a:r>
+            <a:r>
+              <a:rPr lang="de-DE" dirty="0" err="1"/>
+              <a:t>of</a:t>
+            </a:r>
+            <a:r>
+              <a:rPr lang="de-DE" dirty="0"/>
+              <a:t> </a:t>
+            </a:r>
+            <a:r>
+              <a:rPr lang="de-DE" dirty="0" err="1"/>
+              <a:t>custom</a:t>
+            </a:r>
+            <a:r>
+              <a:rPr lang="de-DE" dirty="0"/>
+              <a:t> </a:t>
+            </a:r>
+            <a:r>
+              <a:rPr lang="de-DE" dirty="0" err="1"/>
+              <a:t>development</a:t>
+            </a:r>
+            <a:r>
+              <a:rPr lang="de-DE" dirty="0"/>
+              <a:t> </a:t>
+            </a:r>
+            <a:r>
+              <a:rPr lang="de-DE" dirty="0" err="1"/>
+              <a:t>for</a:t>
+            </a:r>
+            <a:r>
+              <a:rPr lang="de-DE" dirty="0"/>
+              <a:t> Oracle: PL/SQL, SQL, Forms, Reports, APEX, </a:t>
+            </a:r>
+            <a:r>
+              <a:rPr lang="de-DE" dirty="0" err="1"/>
+              <a:t>have</a:t>
+            </a:r>
+            <a:r>
+              <a:rPr lang="de-DE" dirty="0"/>
+              <a:t> </a:t>
+            </a:r>
+            <a:r>
+              <a:rPr lang="de-DE" dirty="0" err="1"/>
+              <a:t>seen</a:t>
+            </a:r>
+            <a:r>
+              <a:rPr lang="de-DE" dirty="0"/>
+              <a:t> </a:t>
+            </a:r>
+            <a:r>
+              <a:rPr lang="de-DE" dirty="0" err="1"/>
+              <a:t>very</a:t>
+            </a:r>
+            <a:r>
+              <a:rPr lang="de-DE" dirty="0"/>
+              <a:t> different </a:t>
+            </a:r>
+            <a:r>
+              <a:rPr lang="de-DE" dirty="0" err="1"/>
+              <a:t>approaches</a:t>
+            </a:r>
+            <a:endParaRPr lang="de-DE" dirty="0"/>
+          </a:p>
+          <a:p>
+            <a:r>
+              <a:rPr lang="de-DE" dirty="0" err="1"/>
+              <a:t>Typical</a:t>
+            </a:r>
+            <a:r>
+              <a:rPr lang="de-DE" dirty="0"/>
+              <a:t> </a:t>
+            </a:r>
+            <a:r>
+              <a:rPr lang="de-DE" dirty="0" err="1"/>
+              <a:t>project</a:t>
+            </a:r>
+            <a:r>
+              <a:rPr lang="de-DE" dirty="0"/>
+              <a:t> </a:t>
+            </a:r>
+            <a:r>
+              <a:rPr lang="de-DE" dirty="0" err="1"/>
+              <a:t>has</a:t>
+            </a:r>
+            <a:r>
+              <a:rPr lang="de-DE" dirty="0"/>
+              <a:t> multiple </a:t>
+            </a:r>
+            <a:r>
+              <a:rPr lang="de-DE" dirty="0" err="1"/>
+              <a:t>environments</a:t>
+            </a:r>
+            <a:r>
+              <a:rPr lang="de-DE" dirty="0"/>
+              <a:t>, e.g.:</a:t>
+            </a:r>
+          </a:p>
+          <a:p>
+            <a:pPr lvl="1"/>
+            <a:r>
+              <a:rPr lang="de-DE" dirty="0"/>
+              <a:t>Development</a:t>
+            </a:r>
+          </a:p>
+          <a:p>
+            <a:pPr lvl="1"/>
+            <a:r>
+              <a:rPr lang="de-DE" dirty="0"/>
+              <a:t>Test</a:t>
+            </a:r>
+          </a:p>
+          <a:p>
+            <a:pPr lvl="1"/>
+            <a:r>
+              <a:rPr lang="de-DE" dirty="0" err="1"/>
+              <a:t>Production</a:t>
+            </a:r>
+            <a:endParaRPr lang="de-DE" dirty="0"/>
+          </a:p>
+          <a:p>
+            <a:pPr lvl="1"/>
+            <a:r>
+              <a:rPr lang="de-DE" dirty="0"/>
+              <a:t>… </a:t>
+            </a:r>
+            <a:r>
+              <a:rPr lang="de-DE" dirty="0" err="1"/>
+              <a:t>or</a:t>
+            </a:r>
+            <a:r>
+              <a:rPr lang="de-DE" dirty="0"/>
+              <a:t> </a:t>
+            </a:r>
+            <a:r>
+              <a:rPr lang="de-DE" dirty="0" err="1"/>
+              <a:t>even</a:t>
+            </a:r>
+            <a:r>
+              <a:rPr lang="de-DE" dirty="0"/>
+              <a:t> </a:t>
+            </a:r>
+            <a:r>
+              <a:rPr lang="de-DE" dirty="0" err="1"/>
+              <a:t>more</a:t>
+            </a:r>
+            <a:endParaRPr lang="de-DE" dirty="0"/>
+          </a:p>
+          <a:p>
+            <a:r>
+              <a:rPr lang="de-DE" dirty="0"/>
+              <a:t>Manage </a:t>
+            </a:r>
+            <a:r>
+              <a:rPr lang="de-DE" dirty="0" err="1"/>
+              <a:t>sources</a:t>
+            </a:r>
+            <a:r>
+              <a:rPr lang="de-DE" dirty="0"/>
+              <a:t> </a:t>
+            </a:r>
+            <a:r>
+              <a:rPr lang="de-DE" dirty="0" err="1"/>
+              <a:t>differently</a:t>
+            </a:r>
+            <a:endParaRPr lang="de-DE" dirty="0"/>
+          </a:p>
+          <a:p>
+            <a:pPr lvl="1"/>
+            <a:r>
+              <a:rPr lang="de-DE" dirty="0"/>
+              <a:t>SQL </a:t>
+            </a:r>
+            <a:r>
+              <a:rPr lang="de-DE" dirty="0" err="1"/>
+              <a:t>and</a:t>
+            </a:r>
+            <a:r>
+              <a:rPr lang="de-DE" dirty="0"/>
+              <a:t> PL/SQL </a:t>
+            </a:r>
+            <a:r>
+              <a:rPr lang="de-DE" dirty="0" err="1"/>
+              <a:t>objects</a:t>
+            </a:r>
+            <a:r>
+              <a:rPr lang="de-DE" dirty="0"/>
+              <a:t> (1:1 in </a:t>
+            </a:r>
+            <a:r>
+              <a:rPr lang="de-DE" dirty="0" err="1"/>
+              <a:t>database</a:t>
+            </a:r>
+            <a:r>
+              <a:rPr lang="de-DE" dirty="0"/>
+              <a:t>)</a:t>
+            </a:r>
+          </a:p>
+          <a:p>
+            <a:pPr lvl="1"/>
+            <a:r>
+              <a:rPr lang="de-DE" dirty="0"/>
+              <a:t>„Manual“ </a:t>
+            </a:r>
+            <a:r>
+              <a:rPr lang="de-DE" dirty="0" err="1"/>
+              <a:t>scripts</a:t>
+            </a:r>
+            <a:r>
+              <a:rPr lang="de-DE" dirty="0"/>
+              <a:t> (e.g. alter </a:t>
+            </a:r>
+            <a:r>
+              <a:rPr lang="de-DE" dirty="0" err="1"/>
+              <a:t>table</a:t>
+            </a:r>
+            <a:r>
+              <a:rPr lang="de-DE" dirty="0"/>
+              <a:t> </a:t>
+            </a:r>
+            <a:r>
+              <a:rPr lang="de-DE" dirty="0" err="1"/>
+              <a:t>add</a:t>
+            </a:r>
+            <a:r>
+              <a:rPr lang="de-DE" dirty="0"/>
+              <a:t> </a:t>
+            </a:r>
+            <a:r>
+              <a:rPr lang="de-DE" dirty="0" err="1"/>
+              <a:t>column</a:t>
+            </a:r>
+            <a:r>
+              <a:rPr lang="de-DE" dirty="0"/>
+              <a:t> </a:t>
+            </a:r>
+            <a:r>
+              <a:rPr lang="de-DE" dirty="0" err="1"/>
+              <a:t>or</a:t>
+            </a:r>
+            <a:r>
+              <a:rPr lang="de-DE" dirty="0"/>
+              <a:t> </a:t>
+            </a:r>
+            <a:r>
+              <a:rPr lang="de-DE" dirty="0" err="1"/>
+              <a:t>generate</a:t>
+            </a:r>
+            <a:r>
+              <a:rPr lang="de-DE" dirty="0"/>
+              <a:t> </a:t>
+            </a:r>
+            <a:r>
+              <a:rPr lang="de-DE" dirty="0" err="1"/>
+              <a:t>synonyms</a:t>
+            </a:r>
+            <a:r>
+              <a:rPr lang="de-DE" dirty="0"/>
+              <a:t>, </a:t>
+            </a:r>
+            <a:r>
+              <a:rPr lang="de-DE" dirty="0" err="1"/>
+              <a:t>grants</a:t>
+            </a:r>
+            <a:r>
+              <a:rPr lang="de-DE" dirty="0"/>
+              <a:t> </a:t>
+            </a:r>
+            <a:r>
+              <a:rPr lang="de-DE" dirty="0" err="1"/>
+              <a:t>and</a:t>
+            </a:r>
+            <a:r>
+              <a:rPr lang="de-DE" dirty="0"/>
+              <a:t> </a:t>
+            </a:r>
+            <a:r>
+              <a:rPr lang="de-DE" dirty="0" err="1"/>
+              <a:t>views</a:t>
+            </a:r>
+            <a:r>
+              <a:rPr lang="de-DE" dirty="0"/>
+              <a:t> on </a:t>
+            </a:r>
+            <a:r>
+              <a:rPr lang="de-DE" dirty="0" err="1"/>
+              <a:t>the</a:t>
+            </a:r>
+            <a:r>
+              <a:rPr lang="de-DE" dirty="0"/>
+              <a:t> </a:t>
+            </a:r>
+            <a:r>
+              <a:rPr lang="de-DE" dirty="0" err="1"/>
+              <a:t>fly</a:t>
+            </a:r>
+            <a:r>
+              <a:rPr lang="de-DE" dirty="0"/>
+              <a:t>)</a:t>
+            </a:r>
+          </a:p>
+        </p:txBody>
+      </p:sp>
+    </p:spTree>
+    <p:extLst>
+      <p:ext uri="{BB962C8B-B14F-4D97-AF65-F5344CB8AC3E}">
+        <p14:creationId xmlns:p14="http://schemas.microsoft.com/office/powerpoint/2010/main" val="3890671177"/>
+      </p:ext>
+    </p:extLst>
+  </p:cSld>
+  <p:clrMapOvr>
+    <a:masterClrMapping/>
+  </p:clrMapOvr>
+</p:sld>
+</file>
+
+<file path=ppt/slides/slide6.xml><?xml version="1.0" encoding="utf-8"?>
+<p:sld xmlns:a="http://schemas.openxmlformats.org/drawingml/2006/main" xmlns:r="http://schemas.openxmlformats.org/officeDocument/2006/relationships" xmlns:p="http://schemas.openxmlformats.org/presentationml/2006/main">
+  <p:cSld>
+    <p:spTree>
+      <p:nvGrpSpPr>
+        <p:cNvPr id="1" name=""/>
+        <p:cNvGrpSpPr/>
+        <p:nvPr/>
+      </p:nvGrpSpPr>
+      <p:grpSpPr>
+        <a:xfrm>
+          <a:off x="0" y="0"/>
+          <a:ext cx="0" cy="0"/>
+          <a:chOff x="0" y="0"/>
+          <a:chExt cx="0" cy="0"/>
+        </a:xfrm>
+      </p:grpSpPr>
+      <p:sp>
+        <p:nvSpPr>
+          <p:cNvPr id="2" name="Titel 1">
+            <a:extLst>
+              <a:ext uri="{FF2B5EF4-FFF2-40B4-BE49-F238E27FC236}">
+                <a16:creationId xmlns:a16="http://schemas.microsoft.com/office/drawing/2014/main" id="{574A5A47-A541-3E45-B751-829AFEFFBCB3}"/>
+              </a:ext>
+            </a:extLst>
+          </p:cNvPr>
+          <p:cNvSpPr>
+            <a:spLocks noGrp="1"/>
+          </p:cNvSpPr>
+          <p:nvPr>
+            <p:ph type="title"/>
+          </p:nvPr>
+        </p:nvSpPr>
+        <p:spPr/>
+        <p:txBody>
+          <a:bodyPr>
+            <a:normAutofit/>
+          </a:bodyPr>
+          <a:lstStyle/>
+          <a:p>
+            <a:r>
+              <a:rPr lang="de-DE" dirty="0"/>
+              <a:t>WHY? Background / </a:t>
+            </a:r>
+            <a:r>
+              <a:rPr lang="de-DE" dirty="0" err="1"/>
+              <a:t>Context</a:t>
+            </a:r>
+            <a:endParaRPr lang="de-DE" dirty="0"/>
+          </a:p>
+        </p:txBody>
+      </p:sp>
+      <p:sp>
+        <p:nvSpPr>
+          <p:cNvPr id="3" name="Inhaltsplatzhalter 2">
+            <a:extLst>
+              <a:ext uri="{FF2B5EF4-FFF2-40B4-BE49-F238E27FC236}">
+                <a16:creationId xmlns:a16="http://schemas.microsoft.com/office/drawing/2014/main" id="{F9D2D66F-04F0-0640-BA49-C0428BDC8D3C}"/>
+              </a:ext>
+            </a:extLst>
+          </p:cNvPr>
+          <p:cNvSpPr>
+            <a:spLocks noGrp="1"/>
+          </p:cNvSpPr>
+          <p:nvPr>
+            <p:ph idx="1"/>
+          </p:nvPr>
+        </p:nvSpPr>
+        <p:spPr/>
+        <p:txBody>
+          <a:bodyPr>
             <a:normAutofit/>
           </a:bodyPr>
           <a:lstStyle/>
@@ -22247,7 +24470,7 @@
 </p:sld>
 </file>
 
-<file path=ppt/slides/slide6.xml><?xml version="1.0" encoding="utf-8"?>
+<file path=ppt/slides/slide7.xml><?xml version="1.0" encoding="utf-8"?>
 <p:sld xmlns:a="http://schemas.openxmlformats.org/drawingml/2006/main" xmlns:r="http://schemas.openxmlformats.org/officeDocument/2006/relationships" xmlns:p="http://schemas.openxmlformats.org/presentationml/2006/main">
   <p:cSld>
     <p:spTree>
@@ -22335,7 +24558,7 @@
 </p:sld>
 </file>
 
-<file path=ppt/slides/slide7.xml><?xml version="1.0" encoding="utf-8"?>
+<file path=ppt/slides/slide8.xml><?xml version="1.0" encoding="utf-8"?>
 <p:sld xmlns:a="http://schemas.openxmlformats.org/drawingml/2006/main" xmlns:r="http://schemas.openxmlformats.org/officeDocument/2006/relationships" xmlns:p="http://schemas.openxmlformats.org/presentationml/2006/main">
   <p:cSld>
     <p:spTree>
@@ -22837,7 +25060,7 @@
 </p:sld>
 </file>
 
-<file path=ppt/slides/slide8.xml><?xml version="1.0" encoding="utf-8"?>
+<file path=ppt/slides/slide9.xml><?xml version="1.0" encoding="utf-8"?>
 <p:sld xmlns:a="http://schemas.openxmlformats.org/drawingml/2006/main" xmlns:r="http://schemas.openxmlformats.org/officeDocument/2006/relationships" xmlns:p="http://schemas.openxmlformats.org/presentationml/2006/main">
   <p:cSld>
     <p:spTree>
@@ -24800,424 +27023,6 @@
       <p:bldP spid="27" grpId="0"/>
     </p:bldLst>
   </p:timing>
-</p:sld>
-</file>
-
-<file path=ppt/slides/slide9.xml><?xml version="1.0" encoding="utf-8"?>
-<p:sld xmlns:a="http://schemas.openxmlformats.org/drawingml/2006/main" xmlns:r="http://schemas.openxmlformats.org/officeDocument/2006/relationships" xmlns:p="http://schemas.openxmlformats.org/presentationml/2006/main">
-  <p:cSld>
-    <p:spTree>
-      <p:nvGrpSpPr>
-        <p:cNvPr id="1" name=""/>
-        <p:cNvGrpSpPr/>
-        <p:nvPr/>
-      </p:nvGrpSpPr>
-      <p:grpSpPr>
-        <a:xfrm>
-          <a:off x="0" y="0"/>
-          <a:ext cx="0" cy="0"/>
-          <a:chOff x="0" y="0"/>
-          <a:chExt cx="0" cy="0"/>
-        </a:xfrm>
-      </p:grpSpPr>
-      <p:sp>
-        <p:nvSpPr>
-          <p:cNvPr id="2" name="Titel 1">
-            <a:extLst>
-              <a:ext uri="{FF2B5EF4-FFF2-40B4-BE49-F238E27FC236}">
-                <a16:creationId xmlns:a16="http://schemas.microsoft.com/office/drawing/2014/main" id="{574A5A47-A541-3E45-B751-829AFEFFBCB3}"/>
-              </a:ext>
-            </a:extLst>
-          </p:cNvPr>
-          <p:cNvSpPr>
-            <a:spLocks noGrp="1"/>
-          </p:cNvSpPr>
-          <p:nvPr>
-            <p:ph type="title"/>
-          </p:nvPr>
-        </p:nvSpPr>
-        <p:spPr/>
-        <p:txBody>
-          <a:bodyPr>
-            <a:normAutofit/>
-          </a:bodyPr>
-          <a:lstStyle/>
-          <a:p>
-            <a:r>
-              <a:rPr lang="de-DE" dirty="0"/>
-              <a:t>The Solution</a:t>
-            </a:r>
-          </a:p>
-        </p:txBody>
-      </p:sp>
-      <p:sp>
-        <p:nvSpPr>
-          <p:cNvPr id="3" name="Inhaltsplatzhalter 2">
-            <a:extLst>
-              <a:ext uri="{FF2B5EF4-FFF2-40B4-BE49-F238E27FC236}">
-                <a16:creationId xmlns:a16="http://schemas.microsoft.com/office/drawing/2014/main" id="{F9D2D66F-04F0-0640-BA49-C0428BDC8D3C}"/>
-              </a:ext>
-            </a:extLst>
-          </p:cNvPr>
-          <p:cNvSpPr>
-            <a:spLocks noGrp="1"/>
-          </p:cNvSpPr>
-          <p:nvPr>
-            <p:ph idx="1"/>
-          </p:nvPr>
-        </p:nvSpPr>
-        <p:spPr/>
-        <p:txBody>
-          <a:bodyPr>
-            <a:normAutofit/>
-          </a:bodyPr>
-          <a:lstStyle/>
-          <a:p>
-            <a:r>
-              <a:rPr lang="de-DE" dirty="0"/>
-              <a:t>Tools </a:t>
-            </a:r>
-            <a:r>
-              <a:rPr lang="de-DE" dirty="0" err="1"/>
-              <a:t>can</a:t>
-            </a:r>
-            <a:r>
-              <a:rPr lang="de-DE" dirty="0"/>
-              <a:t> </a:t>
-            </a:r>
-            <a:r>
-              <a:rPr lang="de-DE" dirty="0" err="1"/>
-              <a:t>be</a:t>
-            </a:r>
-            <a:r>
-              <a:rPr lang="de-DE" dirty="0"/>
-              <a:t> </a:t>
-            </a:r>
-            <a:r>
-              <a:rPr lang="de-DE" dirty="0" err="1"/>
-              <a:t>used</a:t>
-            </a:r>
-            <a:r>
-              <a:rPr lang="de-DE" dirty="0"/>
-              <a:t> </a:t>
-            </a:r>
-            <a:r>
-              <a:rPr lang="de-DE" dirty="0" err="1"/>
-              <a:t>together</a:t>
-            </a:r>
-            <a:r>
-              <a:rPr lang="de-DE" dirty="0"/>
-              <a:t> … </a:t>
-            </a:r>
-            <a:r>
-              <a:rPr lang="de-DE" dirty="0" err="1"/>
-              <a:t>or</a:t>
-            </a:r>
-            <a:r>
-              <a:rPr lang="de-DE" dirty="0"/>
-              <a:t> </a:t>
-            </a:r>
-            <a:r>
-              <a:rPr lang="de-DE" dirty="0" err="1"/>
-              <a:t>separately</a:t>
-            </a:r>
-            <a:endParaRPr lang="de-DE" dirty="0"/>
-          </a:p>
-          <a:p>
-            <a:r>
-              <a:rPr lang="de-DE" dirty="0" err="1"/>
-              <a:t>Usages</a:t>
-            </a:r>
-            <a:endParaRPr lang="de-DE" dirty="0"/>
-          </a:p>
-          <a:p>
-            <a:pPr lvl="1"/>
-            <a:r>
-              <a:rPr lang="de-DE" dirty="0"/>
-              <a:t>Initial </a:t>
-            </a:r>
-            <a:r>
-              <a:rPr lang="de-DE" dirty="0" err="1"/>
-              <a:t>seed</a:t>
-            </a:r>
-            <a:r>
-              <a:rPr lang="de-DE" dirty="0"/>
-              <a:t> </a:t>
-            </a:r>
-            <a:r>
-              <a:rPr lang="de-DE" dirty="0" err="1"/>
-              <a:t>of</a:t>
-            </a:r>
-            <a:r>
-              <a:rPr lang="de-DE" dirty="0"/>
-              <a:t> </a:t>
-            </a:r>
-            <a:r>
-              <a:rPr lang="de-DE" dirty="0" err="1"/>
-              <a:t>database</a:t>
-            </a:r>
-            <a:r>
-              <a:rPr lang="de-DE" dirty="0"/>
-              <a:t> </a:t>
-            </a:r>
-            <a:r>
-              <a:rPr lang="de-DE" dirty="0" err="1"/>
-              <a:t>objects</a:t>
-            </a:r>
-            <a:r>
-              <a:rPr lang="de-DE" dirty="0"/>
-              <a:t> </a:t>
-            </a:r>
-            <a:r>
-              <a:rPr lang="de-DE" dirty="0" err="1"/>
-              <a:t>into</a:t>
-            </a:r>
-            <a:r>
-              <a:rPr lang="de-DE" dirty="0"/>
-              <a:t> </a:t>
-            </a:r>
-            <a:r>
-              <a:rPr lang="de-DE" dirty="0" err="1"/>
-              <a:t>the</a:t>
-            </a:r>
-            <a:r>
-              <a:rPr lang="de-DE" dirty="0"/>
-              <a:t> </a:t>
-            </a:r>
-            <a:r>
-              <a:rPr lang="de-DE" dirty="0" err="1"/>
-              <a:t>file</a:t>
-            </a:r>
-            <a:r>
-              <a:rPr lang="de-DE" dirty="0"/>
-              <a:t> </a:t>
-            </a:r>
-            <a:r>
-              <a:rPr lang="de-DE" dirty="0" err="1"/>
-              <a:t>system</a:t>
-            </a:r>
-            <a:endParaRPr lang="de-DE" dirty="0"/>
-          </a:p>
-          <a:p>
-            <a:pPr lvl="1"/>
-            <a:r>
-              <a:rPr lang="de-DE" dirty="0" err="1"/>
-              <a:t>Continuous</a:t>
-            </a:r>
-            <a:r>
-              <a:rPr lang="de-DE" dirty="0"/>
-              <a:t> </a:t>
-            </a:r>
-            <a:r>
-              <a:rPr lang="de-DE" dirty="0" err="1"/>
-              <a:t>export</a:t>
-            </a:r>
-            <a:r>
-              <a:rPr lang="de-DE" dirty="0"/>
-              <a:t> </a:t>
-            </a:r>
-            <a:r>
-              <a:rPr lang="de-DE" dirty="0" err="1"/>
-              <a:t>of</a:t>
-            </a:r>
-            <a:r>
-              <a:rPr lang="de-DE" dirty="0"/>
-              <a:t> </a:t>
-            </a:r>
-            <a:r>
-              <a:rPr lang="de-DE" dirty="0" err="1"/>
-              <a:t>database</a:t>
-            </a:r>
-            <a:r>
-              <a:rPr lang="de-DE" dirty="0"/>
-              <a:t> </a:t>
-            </a:r>
-            <a:r>
-              <a:rPr lang="de-DE" dirty="0" err="1"/>
-              <a:t>objects</a:t>
-            </a:r>
-            <a:endParaRPr lang="de-DE" dirty="0"/>
-          </a:p>
-          <a:p>
-            <a:r>
-              <a:rPr lang="de-DE" dirty="0"/>
-              <a:t>Goal? </a:t>
-            </a:r>
-            <a:r>
-              <a:rPr lang="de-DE" dirty="0" err="1"/>
-              <a:t>Don‘t</a:t>
-            </a:r>
-            <a:r>
-              <a:rPr lang="de-DE" dirty="0"/>
-              <a:t> </a:t>
-            </a:r>
-            <a:r>
-              <a:rPr lang="de-DE" dirty="0" err="1"/>
-              <a:t>force</a:t>
-            </a:r>
-            <a:r>
-              <a:rPr lang="de-DE" dirty="0"/>
-              <a:t> a </a:t>
-            </a:r>
-            <a:r>
-              <a:rPr lang="de-DE" dirty="0" err="1"/>
-              <a:t>specific</a:t>
-            </a:r>
-            <a:r>
-              <a:rPr lang="de-DE" dirty="0"/>
-              <a:t> </a:t>
-            </a:r>
-            <a:r>
-              <a:rPr lang="de-DE" dirty="0" err="1"/>
-              <a:t>approach</a:t>
-            </a:r>
-            <a:r>
-              <a:rPr lang="de-DE" dirty="0"/>
-              <a:t>, </a:t>
-            </a:r>
-            <a:r>
-              <a:rPr lang="de-DE" dirty="0" err="1"/>
-              <a:t>rather</a:t>
-            </a:r>
-            <a:r>
-              <a:rPr lang="de-DE" dirty="0"/>
-              <a:t> </a:t>
-            </a:r>
-            <a:r>
-              <a:rPr lang="de-DE" dirty="0" err="1"/>
-              <a:t>support</a:t>
-            </a:r>
-            <a:r>
-              <a:rPr lang="de-DE" dirty="0"/>
-              <a:t> </a:t>
-            </a:r>
-            <a:r>
-              <a:rPr lang="de-DE" dirty="0" err="1"/>
-              <a:t>existing</a:t>
-            </a:r>
-            <a:r>
-              <a:rPr lang="de-DE" dirty="0"/>
-              <a:t> </a:t>
-            </a:r>
-            <a:r>
-              <a:rPr lang="de-DE" dirty="0" err="1"/>
-              <a:t>styles</a:t>
-            </a:r>
-            <a:r>
-              <a:rPr lang="de-DE" dirty="0"/>
-              <a:t> </a:t>
-            </a:r>
-            <a:r>
-              <a:rPr lang="de-DE" dirty="0" err="1"/>
-              <a:t>and</a:t>
-            </a:r>
-            <a:r>
-              <a:rPr lang="de-DE" dirty="0"/>
-              <a:t> </a:t>
-            </a:r>
-            <a:r>
-              <a:rPr lang="de-DE" dirty="0" err="1"/>
-              <a:t>improve</a:t>
-            </a:r>
-            <a:r>
-              <a:rPr lang="de-DE" dirty="0"/>
-              <a:t> </a:t>
-            </a:r>
-            <a:r>
-              <a:rPr lang="de-DE" dirty="0" err="1"/>
-              <a:t>the</a:t>
-            </a:r>
-            <a:r>
-              <a:rPr lang="de-DE" dirty="0"/>
-              <a:t> </a:t>
-            </a:r>
-            <a:r>
-              <a:rPr lang="de-DE" dirty="0" err="1"/>
-              <a:t>quality</a:t>
-            </a:r>
-            <a:endParaRPr lang="de-DE" dirty="0"/>
-          </a:p>
-          <a:p>
-            <a:r>
-              <a:rPr lang="de-DE" dirty="0" err="1"/>
-              <a:t>No</a:t>
-            </a:r>
-            <a:r>
-              <a:rPr lang="de-DE" dirty="0"/>
-              <a:t> </a:t>
-            </a:r>
-            <a:r>
-              <a:rPr lang="de-DE" dirty="0" err="1"/>
-              <a:t>point</a:t>
-            </a:r>
-            <a:r>
-              <a:rPr lang="de-DE" dirty="0"/>
-              <a:t> in </a:t>
-            </a:r>
-            <a:r>
-              <a:rPr lang="de-DE" dirty="0" err="1"/>
-              <a:t>having</a:t>
-            </a:r>
-            <a:r>
-              <a:rPr lang="de-DE" dirty="0"/>
-              <a:t> a PERFECT </a:t>
-            </a:r>
-            <a:r>
-              <a:rPr lang="de-DE" dirty="0" err="1"/>
-              <a:t>approach</a:t>
-            </a:r>
-            <a:r>
-              <a:rPr lang="de-DE" dirty="0"/>
-              <a:t> </a:t>
-            </a:r>
-            <a:r>
-              <a:rPr lang="de-DE" dirty="0" err="1"/>
-              <a:t>that</a:t>
-            </a:r>
-            <a:r>
-              <a:rPr lang="de-DE" dirty="0"/>
-              <a:t> </a:t>
-            </a:r>
-            <a:r>
-              <a:rPr lang="de-DE" dirty="0" err="1"/>
-              <a:t>isn‘t</a:t>
-            </a:r>
-            <a:r>
-              <a:rPr lang="de-DE" dirty="0"/>
-              <a:t> </a:t>
-            </a:r>
-            <a:r>
-              <a:rPr lang="de-DE" dirty="0" err="1"/>
-              <a:t>widely</a:t>
-            </a:r>
-            <a:r>
-              <a:rPr lang="de-DE" dirty="0"/>
-              <a:t> </a:t>
-            </a:r>
-            <a:r>
-              <a:rPr lang="de-DE" dirty="0" err="1"/>
-              <a:t>used</a:t>
-            </a:r>
-            <a:r>
-              <a:rPr lang="de-DE" dirty="0"/>
-              <a:t>. </a:t>
-            </a:r>
-          </a:p>
-          <a:p>
-            <a:endParaRPr lang="de-DE" dirty="0"/>
-          </a:p>
-        </p:txBody>
-      </p:sp>
-    </p:spTree>
-    <p:extLst>
-      <p:ext uri="{BB962C8B-B14F-4D97-AF65-F5344CB8AC3E}">
-        <p14:creationId xmlns:p14="http://schemas.microsoft.com/office/powerpoint/2010/main" val="3331039411"/>
-      </p:ext>
-    </p:extLst>
-  </p:cSld>
-  <p:clrMapOvr>
-    <a:masterClrMapping/>
-  </p:clrMapOvr>
 </p:sld>
 </file>
 
